--- a/vue测试/双向绑定/Vue双向绑定原理及实现-数据响应式原理-代应豪.pptx
+++ b/vue测试/双向绑定/Vue双向绑定原理及实现-数据响应式原理-代应豪.pptx
@@ -223,7 +223,7 @@
           <a:p>
             <a:fld id="{5D13BBE5-0BEA-4494-9BEF-C8C2F48C9E2D}" type="datetimeFigureOut">
               <a:rPr lang="zh-CN" altLang="en-US" smtClean="0"/>
-              <a:t>2021/7/10</a:t>
+              <a:t>2021/7/13</a:t>
             </a:fld>
             <a:endParaRPr lang="zh-CN" altLang="en-US"/>
           </a:p>
@@ -3708,7 +3708,7 @@
         </p:nvSpPr>
         <p:spPr>
           <a:xfrm>
-            <a:off x="5994941" y="1286334"/>
+            <a:off x="5994941" y="2493983"/>
             <a:ext cx="5934664" cy="830997"/>
           </a:xfrm>
           <a:prstGeom prst="rect">
@@ -3795,8 +3795,38 @@
         </p:blipFill>
         <p:spPr>
           <a:xfrm>
-            <a:off x="5994941" y="2741283"/>
+            <a:off x="5994941" y="3533020"/>
             <a:ext cx="6035723" cy="3065934"/>
+          </a:xfrm>
+          <a:prstGeom prst="rect">
+            <a:avLst/>
+          </a:prstGeom>
+        </p:spPr>
+      </p:pic>
+      <p:pic>
+        <p:nvPicPr>
+          <p:cNvPr id="4" name="图片 3">
+            <a:extLst>
+              <a:ext uri="{FF2B5EF4-FFF2-40B4-BE49-F238E27FC236}">
+                <a16:creationId xmlns:a16="http://schemas.microsoft.com/office/drawing/2014/main" id="{89599F76-1716-4061-AD2A-3BF6BC51AFB9}"/>
+              </a:ext>
+            </a:extLst>
+          </p:cNvPr>
+          <p:cNvPicPr>
+            <a:picLocks noChangeAspect="1"/>
+          </p:cNvPicPr>
+          <p:nvPr/>
+        </p:nvPicPr>
+        <p:blipFill>
+          <a:blip r:embed="rId6"/>
+          <a:stretch>
+            <a:fillRect/>
+          </a:stretch>
+        </p:blipFill>
+        <p:spPr>
+          <a:xfrm>
+            <a:off x="7800368" y="259046"/>
+            <a:ext cx="2323809" cy="2304762"/>
           </a:xfrm>
           <a:prstGeom prst="rect">
             <a:avLst/>
@@ -17396,7 +17426,7 @@
         </p:nvSpPr>
         <p:spPr>
           <a:xfrm>
-            <a:off x="125458" y="1997670"/>
+            <a:off x="10166454" y="3174671"/>
             <a:ext cx="1611086" cy="413608"/>
           </a:xfrm>
           <a:prstGeom prst="rect">
@@ -17525,16 +17555,12 @@
           <a:p>
             <a:pPr algn="ctr"/>
             <a:r>
-              <a:rPr lang="en-US" altLang="zh-CN"/>
+              <a:rPr lang="en-US" altLang="zh-CN" dirty="0"/>
               <a:t>By </a:t>
             </a:r>
             <a:r>
-              <a:rPr lang="zh-CN" altLang="en-US"/>
-              <a:t>代</a:t>
-            </a:r>
-            <a:r>
               <a:rPr lang="zh-CN" altLang="en-US" dirty="0"/>
-              <a:t>应豪</a:t>
+              <a:t>代应豪</a:t>
             </a:r>
           </a:p>
         </p:txBody>
@@ -20789,13 +20815,13 @@
   <p:clrMapOvr>
     <a:masterClrMapping/>
   </p:clrMapOvr>
-  <mc:AlternateContent xmlns:mc="http://schemas.openxmlformats.org/markup-compatibility/2006">
-    <mc:Choice xmlns:p14="http://schemas.microsoft.com/office/powerpoint/2010/main" Requires="p14">
+  <mc:AlternateContent xmlns:mc="http://schemas.openxmlformats.org/markup-compatibility/2006" xmlns:p14="http://schemas.microsoft.com/office/powerpoint/2010/main">
+    <mc:Choice Requires="p14">
       <p:transition spd="slow" p14:dur="1500" advTm="0">
         <p:random/>
       </p:transition>
     </mc:Choice>
-    <mc:Fallback>
+    <mc:Fallback xmlns="">
       <p:transition spd="slow" advTm="0">
         <p:random/>
       </p:transition>

--- a/vue测试/双向绑定/Vue双向绑定原理及实现-数据响应式原理-代应豪.pptx
+++ b/vue测试/双向绑定/Vue双向绑定原理及实现-数据响应式原理-代应豪.pptx
@@ -223,7 +223,7 @@
           <a:p>
             <a:fld id="{5D13BBE5-0BEA-4494-9BEF-C8C2F48C9E2D}" type="datetimeFigureOut">
               <a:rPr lang="zh-CN" altLang="en-US" smtClean="0"/>
-              <a:t>2021/7/13</a:t>
+              <a:t>2021/7/15</a:t>
             </a:fld>
             <a:endParaRPr lang="zh-CN" altLang="en-US"/>
           </a:p>
@@ -3708,7 +3708,7 @@
         </p:nvSpPr>
         <p:spPr>
           <a:xfrm>
-            <a:off x="5994941" y="2493983"/>
+            <a:off x="5994941" y="2561218"/>
             <a:ext cx="5934664" cy="830997"/>
           </a:xfrm>
           <a:prstGeom prst="rect">
@@ -3723,12 +3723,8 @@
           <a:lstStyle/>
           <a:p>
             <a:r>
-              <a:rPr lang="zh-CN" altLang="en-US" sz="2400" b="1" dirty="0"/>
-              <a:t>创建</a:t>
-            </a:r>
-            <a:r>
               <a:rPr lang="zh-CN" altLang="en-US" sz="2400" dirty="0"/>
-              <a:t>一个 </a:t>
+              <a:t>创建一个 </a:t>
             </a:r>
             <a:r>
               <a:rPr lang="en-US" altLang="zh-CN" sz="2400" dirty="0" err="1"/>
@@ -3825,7 +3821,7 @@
         </p:blipFill>
         <p:spPr>
           <a:xfrm>
-            <a:off x="7800368" y="259046"/>
+            <a:off x="8962273" y="183182"/>
             <a:ext cx="2323809" cy="2304762"/>
           </a:xfrm>
           <a:prstGeom prst="rect">
@@ -3833,6 +3829,119 @@
           </a:prstGeom>
         </p:spPr>
       </p:pic>
+      <p:sp>
+        <p:nvSpPr>
+          <p:cNvPr id="2" name="矩形 1">
+            <a:extLst>
+              <a:ext uri="{FF2B5EF4-FFF2-40B4-BE49-F238E27FC236}">
+                <a16:creationId xmlns:a16="http://schemas.microsoft.com/office/drawing/2014/main" id="{5654162F-DEE4-4341-8096-995383173763}"/>
+              </a:ext>
+            </a:extLst>
+          </p:cNvPr>
+          <p:cNvSpPr/>
+          <p:nvPr/>
+        </p:nvSpPr>
+        <p:spPr>
+          <a:xfrm>
+            <a:off x="5816368" y="289927"/>
+            <a:ext cx="2957861" cy="830997"/>
+          </a:xfrm>
+          <a:prstGeom prst="rect">
+            <a:avLst/>
+          </a:prstGeom>
+          <a:noFill/>
+        </p:spPr>
+        <p:txBody>
+          <a:bodyPr wrap="none" lIns="91440" tIns="45720" rIns="91440" bIns="45720">
+            <a:spAutoFit/>
+          </a:bodyPr>
+          <a:lstStyle/>
+          <a:p>
+            <a:pPr algn="ctr"/>
+            <a:r>
+              <a:rPr lang="zh-CN" altLang="en-US" sz="4800" dirty="0">
+                <a:ln w="0"/>
+                <a:gradFill>
+                  <a:gsLst>
+                    <a:gs pos="0">
+                      <a:schemeClr val="accent5">
+                        <a:lumMod val="50000"/>
+                      </a:schemeClr>
+                    </a:gs>
+                    <a:gs pos="50000">
+                      <a:schemeClr val="accent5"/>
+                    </a:gs>
+                    <a:gs pos="100000">
+                      <a:schemeClr val="accent5">
+                        <a:lumMod val="60000"/>
+                        <a:lumOff val="40000"/>
+                      </a:schemeClr>
+                    </a:gs>
+                  </a:gsLst>
+                  <a:lin ang="5400000"/>
+                </a:gradFill>
+                <a:effectLst>
+                  <a:reflection blurRad="6350" stA="53000" endA="300" endPos="35500" dir="5400000" sy="-90000" algn="bl" rotWithShape="0"/>
+                </a:effectLst>
+              </a:rPr>
+              <a:t>演示</a:t>
+            </a:r>
+            <a:r>
+              <a:rPr lang="en-US" altLang="zh-CN" sz="4800" dirty="0">
+                <a:ln w="0"/>
+                <a:gradFill>
+                  <a:gsLst>
+                    <a:gs pos="0">
+                      <a:schemeClr val="accent5">
+                        <a:lumMod val="50000"/>
+                      </a:schemeClr>
+                    </a:gs>
+                    <a:gs pos="50000">
+                      <a:schemeClr val="accent5"/>
+                    </a:gs>
+                    <a:gs pos="100000">
+                      <a:schemeClr val="accent5">
+                        <a:lumMod val="60000"/>
+                        <a:lumOff val="40000"/>
+                      </a:schemeClr>
+                    </a:gs>
+                  </a:gsLst>
+                  <a:lin ang="5400000"/>
+                </a:gradFill>
+                <a:effectLst>
+                  <a:reflection blurRad="6350" stA="53000" endA="300" endPos="35500" dir="5400000" sy="-90000" algn="bl" rotWithShape="0"/>
+                </a:effectLst>
+              </a:rPr>
+              <a:t>demo</a:t>
+            </a:r>
+            <a:endParaRPr lang="zh-CN" altLang="en-US" sz="4800" b="0" cap="none" spc="0" dirty="0">
+              <a:ln w="0"/>
+              <a:gradFill>
+                <a:gsLst>
+                  <a:gs pos="0">
+                    <a:schemeClr val="accent5">
+                      <a:lumMod val="50000"/>
+                    </a:schemeClr>
+                  </a:gs>
+                  <a:gs pos="50000">
+                    <a:schemeClr val="accent5"/>
+                  </a:gs>
+                  <a:gs pos="100000">
+                    <a:schemeClr val="accent5">
+                      <a:lumMod val="60000"/>
+                      <a:lumOff val="40000"/>
+                    </a:schemeClr>
+                  </a:gs>
+                </a:gsLst>
+                <a:lin ang="5400000"/>
+              </a:gradFill>
+              <a:effectLst>
+                <a:reflection blurRad="6350" stA="53000" endA="300" endPos="35500" dir="5400000" sy="-90000" algn="bl" rotWithShape="0"/>
+              </a:effectLst>
+            </a:endParaRPr>
+          </a:p>
+        </p:txBody>
+      </p:sp>
     </p:spTree>
     <p:extLst>
       <p:ext uri="{BB962C8B-B14F-4D97-AF65-F5344CB8AC3E}">
@@ -3855,6 +3964,328 @@
       </p:transition>
     </mc:Fallback>
   </mc:AlternateContent>
+  <p:timing>
+    <p:tnLst>
+      <p:par>
+        <p:cTn id="1" dur="indefinite" restart="never" nodeType="tmRoot">
+          <p:childTnLst>
+            <p:seq concurrent="1" nextAc="seek">
+              <p:cTn id="2" dur="indefinite" nodeType="mainSeq">
+                <p:childTnLst>
+                  <p:par>
+                    <p:cTn id="3" fill="hold">
+                      <p:stCondLst>
+                        <p:cond delay="indefinite"/>
+                        <p:cond evt="onBegin" delay="0">
+                          <p:tn val="2"/>
+                        </p:cond>
+                      </p:stCondLst>
+                      <p:childTnLst>
+                        <p:par>
+                          <p:cTn id="4" fill="hold">
+                            <p:stCondLst>
+                              <p:cond delay="0"/>
+                            </p:stCondLst>
+                            <p:childTnLst>
+                              <p:par>
+                                <p:cTn id="5" presetID="42" presetClass="entr" presetSubtype="0" fill="hold" grpId="0" nodeType="withEffect">
+                                  <p:stCondLst>
+                                    <p:cond delay="0"/>
+                                  </p:stCondLst>
+                                  <p:childTnLst>
+                                    <p:set>
+                                      <p:cBhvr>
+                                        <p:cTn id="6" dur="1" fill="hold">
+                                          <p:stCondLst>
+                                            <p:cond delay="0"/>
+                                          </p:stCondLst>
+                                        </p:cTn>
+                                        <p:tgtEl>
+                                          <p:spTgt spid="2"/>
+                                        </p:tgtEl>
+                                        <p:attrNameLst>
+                                          <p:attrName>style.visibility</p:attrName>
+                                        </p:attrNameLst>
+                                      </p:cBhvr>
+                                      <p:to>
+                                        <p:strVal val="visible"/>
+                                      </p:to>
+                                    </p:set>
+                                    <p:animEffect transition="in" filter="fade">
+                                      <p:cBhvr>
+                                        <p:cTn id="7" dur="1000"/>
+                                        <p:tgtEl>
+                                          <p:spTgt spid="2"/>
+                                        </p:tgtEl>
+                                      </p:cBhvr>
+                                    </p:animEffect>
+                                    <p:anim calcmode="lin" valueType="num">
+                                      <p:cBhvr>
+                                        <p:cTn id="8" dur="1000" fill="hold"/>
+                                        <p:tgtEl>
+                                          <p:spTgt spid="2"/>
+                                        </p:tgtEl>
+                                        <p:attrNameLst>
+                                          <p:attrName>ppt_x</p:attrName>
+                                        </p:attrNameLst>
+                                      </p:cBhvr>
+                                      <p:tavLst>
+                                        <p:tav tm="0">
+                                          <p:val>
+                                            <p:strVal val="#ppt_x"/>
+                                          </p:val>
+                                        </p:tav>
+                                        <p:tav tm="100000">
+                                          <p:val>
+                                            <p:strVal val="#ppt_x"/>
+                                          </p:val>
+                                        </p:tav>
+                                      </p:tavLst>
+                                    </p:anim>
+                                    <p:anim calcmode="lin" valueType="num">
+                                      <p:cBhvr>
+                                        <p:cTn id="9" dur="1000" fill="hold"/>
+                                        <p:tgtEl>
+                                          <p:spTgt spid="2"/>
+                                        </p:tgtEl>
+                                        <p:attrNameLst>
+                                          <p:attrName>ppt_y</p:attrName>
+                                        </p:attrNameLst>
+                                      </p:cBhvr>
+                                      <p:tavLst>
+                                        <p:tav tm="0">
+                                          <p:val>
+                                            <p:strVal val="#ppt_y+.1"/>
+                                          </p:val>
+                                        </p:tav>
+                                        <p:tav tm="100000">
+                                          <p:val>
+                                            <p:strVal val="#ppt_y"/>
+                                          </p:val>
+                                        </p:tav>
+                                      </p:tavLst>
+                                    </p:anim>
+                                  </p:childTnLst>
+                                </p:cTn>
+                              </p:par>
+                              <p:par>
+                                <p:cTn id="10" presetID="42" presetClass="entr" presetSubtype="0" fill="hold" nodeType="withEffect">
+                                  <p:stCondLst>
+                                    <p:cond delay="0"/>
+                                  </p:stCondLst>
+                                  <p:childTnLst>
+                                    <p:set>
+                                      <p:cBhvr>
+                                        <p:cTn id="11" dur="1" fill="hold">
+                                          <p:stCondLst>
+                                            <p:cond delay="0"/>
+                                          </p:stCondLst>
+                                        </p:cTn>
+                                        <p:tgtEl>
+                                          <p:spTgt spid="4"/>
+                                        </p:tgtEl>
+                                        <p:attrNameLst>
+                                          <p:attrName>style.visibility</p:attrName>
+                                        </p:attrNameLst>
+                                      </p:cBhvr>
+                                      <p:to>
+                                        <p:strVal val="visible"/>
+                                      </p:to>
+                                    </p:set>
+                                    <p:animEffect transition="in" filter="fade">
+                                      <p:cBhvr>
+                                        <p:cTn id="12" dur="1000"/>
+                                        <p:tgtEl>
+                                          <p:spTgt spid="4"/>
+                                        </p:tgtEl>
+                                      </p:cBhvr>
+                                    </p:animEffect>
+                                    <p:anim calcmode="lin" valueType="num">
+                                      <p:cBhvr>
+                                        <p:cTn id="13" dur="1000" fill="hold"/>
+                                        <p:tgtEl>
+                                          <p:spTgt spid="4"/>
+                                        </p:tgtEl>
+                                        <p:attrNameLst>
+                                          <p:attrName>ppt_x</p:attrName>
+                                        </p:attrNameLst>
+                                      </p:cBhvr>
+                                      <p:tavLst>
+                                        <p:tav tm="0">
+                                          <p:val>
+                                            <p:strVal val="#ppt_x"/>
+                                          </p:val>
+                                        </p:tav>
+                                        <p:tav tm="100000">
+                                          <p:val>
+                                            <p:strVal val="#ppt_x"/>
+                                          </p:val>
+                                        </p:tav>
+                                      </p:tavLst>
+                                    </p:anim>
+                                    <p:anim calcmode="lin" valueType="num">
+                                      <p:cBhvr>
+                                        <p:cTn id="14" dur="1000" fill="hold"/>
+                                        <p:tgtEl>
+                                          <p:spTgt spid="4"/>
+                                        </p:tgtEl>
+                                        <p:attrNameLst>
+                                          <p:attrName>ppt_y</p:attrName>
+                                        </p:attrNameLst>
+                                      </p:cBhvr>
+                                      <p:tavLst>
+                                        <p:tav tm="0">
+                                          <p:val>
+                                            <p:strVal val="#ppt_y+.1"/>
+                                          </p:val>
+                                        </p:tav>
+                                        <p:tav tm="100000">
+                                          <p:val>
+                                            <p:strVal val="#ppt_y"/>
+                                          </p:val>
+                                        </p:tav>
+                                      </p:tavLst>
+                                    </p:anim>
+                                  </p:childTnLst>
+                                </p:cTn>
+                              </p:par>
+                              <p:par>
+                                <p:cTn id="15" presetID="14" presetClass="entr" presetSubtype="10" fill="hold" nodeType="withEffect">
+                                  <p:stCondLst>
+                                    <p:cond delay="0"/>
+                                  </p:stCondLst>
+                                  <p:childTnLst>
+                                    <p:set>
+                                      <p:cBhvr>
+                                        <p:cTn id="16" dur="1" fill="hold">
+                                          <p:stCondLst>
+                                            <p:cond delay="0"/>
+                                          </p:stCondLst>
+                                        </p:cTn>
+                                        <p:tgtEl>
+                                          <p:spTgt spid="3"/>
+                                        </p:tgtEl>
+                                        <p:attrNameLst>
+                                          <p:attrName>style.visibility</p:attrName>
+                                        </p:attrNameLst>
+                                      </p:cBhvr>
+                                      <p:to>
+                                        <p:strVal val="visible"/>
+                                      </p:to>
+                                    </p:set>
+                                    <p:animEffect transition="in" filter="randombar(horizontal)">
+                                      <p:cBhvr>
+                                        <p:cTn id="17" dur="500"/>
+                                        <p:tgtEl>
+                                          <p:spTgt spid="3"/>
+                                        </p:tgtEl>
+                                      </p:cBhvr>
+                                    </p:animEffect>
+                                  </p:childTnLst>
+                                </p:cTn>
+                              </p:par>
+                              <p:par>
+                                <p:cTn id="18" presetID="14" presetClass="entr" presetSubtype="10" fill="hold" nodeType="withEffect">
+                                  <p:stCondLst>
+                                    <p:cond delay="0"/>
+                                  </p:stCondLst>
+                                  <p:childTnLst>
+                                    <p:set>
+                                      <p:cBhvr>
+                                        <p:cTn id="19" dur="1" fill="hold">
+                                          <p:stCondLst>
+                                            <p:cond delay="0"/>
+                                          </p:stCondLst>
+                                        </p:cTn>
+                                        <p:tgtEl>
+                                          <p:spTgt spid="8"/>
+                                        </p:tgtEl>
+                                        <p:attrNameLst>
+                                          <p:attrName>style.visibility</p:attrName>
+                                        </p:attrNameLst>
+                                      </p:cBhvr>
+                                      <p:to>
+                                        <p:strVal val="visible"/>
+                                      </p:to>
+                                    </p:set>
+                                    <p:animEffect transition="in" filter="randombar(horizontal)">
+                                      <p:cBhvr>
+                                        <p:cTn id="20" dur="500"/>
+                                        <p:tgtEl>
+                                          <p:spTgt spid="8"/>
+                                        </p:tgtEl>
+                                      </p:cBhvr>
+                                    </p:animEffect>
+                                  </p:childTnLst>
+                                </p:cTn>
+                              </p:par>
+                              <p:par>
+                                <p:cTn id="21" presetID="14" presetClass="entr" presetSubtype="10" fill="hold" grpId="0" nodeType="withEffect">
+                                  <p:stCondLst>
+                                    <p:cond delay="0"/>
+                                  </p:stCondLst>
+                                  <p:childTnLst>
+                                    <p:set>
+                                      <p:cBhvr>
+                                        <p:cTn id="22" dur="1" fill="hold">
+                                          <p:stCondLst>
+                                            <p:cond delay="0"/>
+                                          </p:stCondLst>
+                                        </p:cTn>
+                                        <p:tgtEl>
+                                          <p:spTgt spid="7"/>
+                                        </p:tgtEl>
+                                        <p:attrNameLst>
+                                          <p:attrName>style.visibility</p:attrName>
+                                        </p:attrNameLst>
+                                      </p:cBhvr>
+                                      <p:to>
+                                        <p:strVal val="visible"/>
+                                      </p:to>
+                                    </p:set>
+                                    <p:animEffect transition="in" filter="randombar(horizontal)">
+                                      <p:cBhvr>
+                                        <p:cTn id="23" dur="500"/>
+                                        <p:tgtEl>
+                                          <p:spTgt spid="7"/>
+                                        </p:tgtEl>
+                                      </p:cBhvr>
+                                    </p:animEffect>
+                                  </p:childTnLst>
+                                </p:cTn>
+                              </p:par>
+                            </p:childTnLst>
+                          </p:cTn>
+                        </p:par>
+                      </p:childTnLst>
+                    </p:cTn>
+                  </p:par>
+                </p:childTnLst>
+              </p:cTn>
+              <p:prevCondLst>
+                <p:cond evt="onPrev" delay="0">
+                  <p:tgtEl>
+                    <p:sldTgt/>
+                  </p:tgtEl>
+                </p:cond>
+              </p:prevCondLst>
+              <p:nextCondLst>
+                <p:cond evt="onNext" delay="0">
+                  <p:tgtEl>
+                    <p:sldTgt/>
+                  </p:tgtEl>
+                </p:cond>
+              </p:nextCondLst>
+            </p:seq>
+          </p:childTnLst>
+        </p:cTn>
+      </p:par>
+    </p:tnLst>
+    <p:bldLst>
+      <p:bldP spid="7" grpId="0"/>
+      <p:bldP spid="2" grpId="0"/>
+    </p:bldLst>
+  </p:timing>
 </p:sld>
 </file>
 
@@ -17845,6 +18276,168 @@
                                   </p:childTnLst>
                                 </p:cTn>
                               </p:par>
+                              <p:par>
+                                <p:cTn id="18" presetID="45" presetClass="entr" presetSubtype="0" fill="hold" grpId="0" nodeType="withEffect">
+                                  <p:stCondLst>
+                                    <p:cond delay="0"/>
+                                  </p:stCondLst>
+                                  <p:childTnLst>
+                                    <p:set>
+                                      <p:cBhvr>
+                                        <p:cTn id="19" dur="1" fill="hold">
+                                          <p:stCondLst>
+                                            <p:cond delay="0"/>
+                                          </p:stCondLst>
+                                        </p:cTn>
+                                        <p:tgtEl>
+                                          <p:spTgt spid="63"/>
+                                        </p:tgtEl>
+                                        <p:attrNameLst>
+                                          <p:attrName>style.visibility</p:attrName>
+                                        </p:attrNameLst>
+                                      </p:cBhvr>
+                                      <p:to>
+                                        <p:strVal val="visible"/>
+                                      </p:to>
+                                    </p:set>
+                                    <p:animEffect transition="in" filter="fade">
+                                      <p:cBhvr>
+                                        <p:cTn id="20" dur="2000"/>
+                                        <p:tgtEl>
+                                          <p:spTgt spid="63"/>
+                                        </p:tgtEl>
+                                      </p:cBhvr>
+                                    </p:animEffect>
+                                    <p:anim calcmode="lin" valueType="num">
+                                      <p:cBhvr>
+                                        <p:cTn id="21" dur="2000" fill="hold"/>
+                                        <p:tgtEl>
+                                          <p:spTgt spid="63"/>
+                                        </p:tgtEl>
+                                        <p:attrNameLst>
+                                          <p:attrName>ppt_w</p:attrName>
+                                        </p:attrNameLst>
+                                      </p:cBhvr>
+                                      <p:tavLst>
+                                        <p:tav tm="0" fmla="#ppt_w*sin(2.5*pi*$)">
+                                          <p:val>
+                                            <p:fltVal val="0"/>
+                                          </p:val>
+                                        </p:tav>
+                                        <p:tav tm="100000">
+                                          <p:val>
+                                            <p:fltVal val="1"/>
+                                          </p:val>
+                                        </p:tav>
+                                      </p:tavLst>
+                                    </p:anim>
+                                    <p:anim calcmode="lin" valueType="num">
+                                      <p:cBhvr>
+                                        <p:cTn id="22" dur="2000" fill="hold"/>
+                                        <p:tgtEl>
+                                          <p:spTgt spid="63"/>
+                                        </p:tgtEl>
+                                        <p:attrNameLst>
+                                          <p:attrName>ppt_h</p:attrName>
+                                        </p:attrNameLst>
+                                      </p:cBhvr>
+                                      <p:tavLst>
+                                        <p:tav tm="0">
+                                          <p:val>
+                                            <p:strVal val="#ppt_h"/>
+                                          </p:val>
+                                        </p:tav>
+                                        <p:tav tm="100000">
+                                          <p:val>
+                                            <p:strVal val="#ppt_h"/>
+                                          </p:val>
+                                        </p:tav>
+                                      </p:tavLst>
+                                    </p:anim>
+                                  </p:childTnLst>
+                                </p:cTn>
+                              </p:par>
+                              <p:par>
+                                <p:cTn id="23" presetID="42" presetClass="entr" presetSubtype="0" fill="hold" nodeType="withEffect">
+                                  <p:stCondLst>
+                                    <p:cond delay="0"/>
+                                  </p:stCondLst>
+                                  <p:childTnLst>
+                                    <p:set>
+                                      <p:cBhvr>
+                                        <p:cTn id="24" dur="1" fill="hold">
+                                          <p:stCondLst>
+                                            <p:cond delay="0"/>
+                                          </p:stCondLst>
+                                        </p:cTn>
+                                        <p:tgtEl>
+                                          <p:spTgt spid="15"/>
+                                        </p:tgtEl>
+                                        <p:attrNameLst>
+                                          <p:attrName>style.visibility</p:attrName>
+                                        </p:attrNameLst>
+                                      </p:cBhvr>
+                                      <p:to>
+                                        <p:strVal val="visible"/>
+                                      </p:to>
+                                    </p:set>
+                                    <p:animEffect transition="in" filter="fade">
+                                      <p:cBhvr>
+                                        <p:cTn id="25" dur="1000"/>
+                                        <p:tgtEl>
+                                          <p:spTgt spid="15"/>
+                                        </p:tgtEl>
+                                      </p:cBhvr>
+                                    </p:animEffect>
+                                    <p:anim calcmode="lin" valueType="num">
+                                      <p:cBhvr>
+                                        <p:cTn id="26" dur="1000" fill="hold"/>
+                                        <p:tgtEl>
+                                          <p:spTgt spid="15"/>
+                                        </p:tgtEl>
+                                        <p:attrNameLst>
+                                          <p:attrName>ppt_x</p:attrName>
+                                        </p:attrNameLst>
+                                      </p:cBhvr>
+                                      <p:tavLst>
+                                        <p:tav tm="0">
+                                          <p:val>
+                                            <p:strVal val="#ppt_x"/>
+                                          </p:val>
+                                        </p:tav>
+                                        <p:tav tm="100000">
+                                          <p:val>
+                                            <p:strVal val="#ppt_x"/>
+                                          </p:val>
+                                        </p:tav>
+                                      </p:tavLst>
+                                    </p:anim>
+                                    <p:anim calcmode="lin" valueType="num">
+                                      <p:cBhvr>
+                                        <p:cTn id="27" dur="1000" fill="hold"/>
+                                        <p:tgtEl>
+                                          <p:spTgt spid="15"/>
+                                        </p:tgtEl>
+                                        <p:attrNameLst>
+                                          <p:attrName>ppt_y</p:attrName>
+                                        </p:attrNameLst>
+                                      </p:cBhvr>
+                                      <p:tavLst>
+                                        <p:tav tm="0">
+                                          <p:val>
+                                            <p:strVal val="#ppt_y+.1"/>
+                                          </p:val>
+                                        </p:tav>
+                                        <p:tav tm="100000">
+                                          <p:val>
+                                            <p:strVal val="#ppt_y"/>
+                                          </p:val>
+                                        </p:tav>
+                                      </p:tavLst>
+                                    </p:anim>
+                                  </p:childTnLst>
+                                </p:cTn>
+                              </p:par>
                             </p:childTnLst>
                           </p:cTn>
                         </p:par>
@@ -17874,6 +18467,7 @@
     </p:tnLst>
     <p:bldLst>
       <p:bldP spid="109" grpId="0"/>
+      <p:bldP spid="63" grpId="0" animBg="1"/>
     </p:bldLst>
   </p:timing>
 </p:sld>
@@ -18547,6 +19141,293 @@
           </a:p>
         </p:txBody>
       </p:sp>
+      <p:grpSp>
+        <p:nvGrpSpPr>
+          <p:cNvPr id="8" name="组合 7">
+            <a:extLst>
+              <a:ext uri="{FF2B5EF4-FFF2-40B4-BE49-F238E27FC236}">
+                <a16:creationId xmlns:a16="http://schemas.microsoft.com/office/drawing/2014/main" id="{D5AA3A8D-FFF3-46D3-BDEF-23386386A1B9}"/>
+              </a:ext>
+            </a:extLst>
+          </p:cNvPr>
+          <p:cNvGrpSpPr/>
+          <p:nvPr/>
+        </p:nvGrpSpPr>
+        <p:grpSpPr>
+          <a:xfrm>
+            <a:off x="4660472" y="4525926"/>
+            <a:ext cx="6875928" cy="1388646"/>
+            <a:chOff x="2259106" y="1075761"/>
+            <a:chExt cx="6875928" cy="1388646"/>
+          </a:xfrm>
+        </p:grpSpPr>
+        <p:sp>
+          <p:nvSpPr>
+            <p:cNvPr id="10" name="矩形: 圆角 9">
+              <a:extLst>
+                <a:ext uri="{FF2B5EF4-FFF2-40B4-BE49-F238E27FC236}">
+                  <a16:creationId xmlns:a16="http://schemas.microsoft.com/office/drawing/2014/main" id="{E77FFA76-3AF8-4764-BBFF-8DAE55D8D83A}"/>
+                </a:ext>
+              </a:extLst>
+            </p:cNvPr>
+            <p:cNvSpPr/>
+            <p:nvPr/>
+          </p:nvSpPr>
+          <p:spPr>
+            <a:xfrm>
+              <a:off x="2259106" y="1075762"/>
+              <a:ext cx="2030505" cy="1331259"/>
+            </a:xfrm>
+            <a:prstGeom prst="roundRect">
+              <a:avLst/>
+            </a:prstGeom>
+          </p:spPr>
+          <p:style>
+            <a:lnRef idx="2">
+              <a:schemeClr val="accent1">
+                <a:shade val="50000"/>
+              </a:schemeClr>
+            </a:lnRef>
+            <a:fillRef idx="1">
+              <a:schemeClr val="accent1"/>
+            </a:fillRef>
+            <a:effectRef idx="0">
+              <a:schemeClr val="accent1"/>
+            </a:effectRef>
+            <a:fontRef idx="minor">
+              <a:schemeClr val="lt1"/>
+            </a:fontRef>
+          </p:style>
+          <p:txBody>
+            <a:bodyPr rtlCol="0" anchor="ctr"/>
+            <a:lstStyle/>
+            <a:p>
+              <a:pPr algn="ctr"/>
+              <a:r>
+                <a:rPr lang="en-US" altLang="zh-CN" dirty="0"/>
+                <a:t>view</a:t>
+              </a:r>
+              <a:endParaRPr lang="zh-CN" altLang="en-US" dirty="0"/>
+            </a:p>
+          </p:txBody>
+        </p:sp>
+        <p:sp>
+          <p:nvSpPr>
+            <p:cNvPr id="11" name="矩形: 圆角 10">
+              <a:extLst>
+                <a:ext uri="{FF2B5EF4-FFF2-40B4-BE49-F238E27FC236}">
+                  <a16:creationId xmlns:a16="http://schemas.microsoft.com/office/drawing/2014/main" id="{472E1507-B08A-4518-A773-48EBCF503114}"/>
+                </a:ext>
+              </a:extLst>
+            </p:cNvPr>
+            <p:cNvSpPr/>
+            <p:nvPr/>
+          </p:nvSpPr>
+          <p:spPr>
+            <a:xfrm>
+              <a:off x="7104529" y="1075761"/>
+              <a:ext cx="2030505" cy="1331259"/>
+            </a:xfrm>
+            <a:prstGeom prst="roundRect">
+              <a:avLst/>
+            </a:prstGeom>
+          </p:spPr>
+          <p:style>
+            <a:lnRef idx="2">
+              <a:schemeClr val="accent1">
+                <a:shade val="50000"/>
+              </a:schemeClr>
+            </a:lnRef>
+            <a:fillRef idx="1">
+              <a:schemeClr val="accent1"/>
+            </a:fillRef>
+            <a:effectRef idx="0">
+              <a:schemeClr val="accent1"/>
+            </a:effectRef>
+            <a:fontRef idx="minor">
+              <a:schemeClr val="lt1"/>
+            </a:fontRef>
+          </p:style>
+          <p:txBody>
+            <a:bodyPr rtlCol="0" anchor="ctr"/>
+            <a:lstStyle/>
+            <a:p>
+              <a:pPr algn="ctr"/>
+              <a:r>
+                <a:rPr lang="en-US" altLang="zh-CN" dirty="0"/>
+                <a:t>data</a:t>
+              </a:r>
+              <a:endParaRPr lang="zh-CN" altLang="en-US" dirty="0"/>
+            </a:p>
+          </p:txBody>
+        </p:sp>
+        <p:cxnSp>
+          <p:nvCxnSpPr>
+            <p:cNvPr id="13" name="直接箭头连接符 12">
+              <a:extLst>
+                <a:ext uri="{FF2B5EF4-FFF2-40B4-BE49-F238E27FC236}">
+                  <a16:creationId xmlns:a16="http://schemas.microsoft.com/office/drawing/2014/main" id="{F3DD4B5C-091E-4ABB-9524-3ED081D80E81}"/>
+                </a:ext>
+              </a:extLst>
+            </p:cNvPr>
+            <p:cNvCxnSpPr/>
+            <p:nvPr/>
+          </p:nvCxnSpPr>
+          <p:spPr>
+            <a:xfrm>
+              <a:off x="4289611" y="1398494"/>
+              <a:ext cx="2814918" cy="0"/>
+            </a:xfrm>
+            <a:prstGeom prst="straightConnector1">
+              <a:avLst/>
+            </a:prstGeom>
+            <a:ln>
+              <a:tailEnd type="triangle"/>
+            </a:ln>
+          </p:spPr>
+          <p:style>
+            <a:lnRef idx="3">
+              <a:schemeClr val="accent4"/>
+            </a:lnRef>
+            <a:fillRef idx="0">
+              <a:schemeClr val="accent4"/>
+            </a:fillRef>
+            <a:effectRef idx="2">
+              <a:schemeClr val="accent4"/>
+            </a:effectRef>
+            <a:fontRef idx="minor">
+              <a:schemeClr val="tx1"/>
+            </a:fontRef>
+          </p:style>
+        </p:cxnSp>
+        <p:cxnSp>
+          <p:nvCxnSpPr>
+            <p:cNvPr id="14" name="直接箭头连接符 13">
+              <a:extLst>
+                <a:ext uri="{FF2B5EF4-FFF2-40B4-BE49-F238E27FC236}">
+                  <a16:creationId xmlns:a16="http://schemas.microsoft.com/office/drawing/2014/main" id="{FEA67C43-97E7-42DB-948F-84A767EF99A4}"/>
+                </a:ext>
+              </a:extLst>
+            </p:cNvPr>
+            <p:cNvCxnSpPr/>
+            <p:nvPr/>
+          </p:nvCxnSpPr>
+          <p:spPr>
+            <a:xfrm flipH="1">
+              <a:off x="4289611" y="2003612"/>
+              <a:ext cx="2814918" cy="0"/>
+            </a:xfrm>
+            <a:prstGeom prst="straightConnector1">
+              <a:avLst/>
+            </a:prstGeom>
+            <a:ln>
+              <a:tailEnd type="triangle"/>
+            </a:ln>
+          </p:spPr>
+          <p:style>
+            <a:lnRef idx="3">
+              <a:schemeClr val="accent3"/>
+            </a:lnRef>
+            <a:fillRef idx="0">
+              <a:schemeClr val="accent3"/>
+            </a:fillRef>
+            <a:effectRef idx="2">
+              <a:schemeClr val="accent3"/>
+            </a:effectRef>
+            <a:fontRef idx="minor">
+              <a:schemeClr val="tx1"/>
+            </a:fontRef>
+          </p:style>
+        </p:cxnSp>
+        <p:sp>
+          <p:nvSpPr>
+            <p:cNvPr id="15" name="文本框 14">
+              <a:extLst>
+                <a:ext uri="{FF2B5EF4-FFF2-40B4-BE49-F238E27FC236}">
+                  <a16:creationId xmlns:a16="http://schemas.microsoft.com/office/drawing/2014/main" id="{21D2614F-2938-47B1-9C57-0B6EE1B7A3A6}"/>
+                </a:ext>
+              </a:extLst>
+            </p:cNvPr>
+            <p:cNvSpPr txBox="1"/>
+            <p:nvPr/>
+          </p:nvSpPr>
+          <p:spPr>
+            <a:xfrm>
+              <a:off x="4900925" y="2095075"/>
+              <a:ext cx="1714501" cy="369332"/>
+            </a:xfrm>
+            <a:prstGeom prst="rect">
+              <a:avLst/>
+            </a:prstGeom>
+            <a:noFill/>
+          </p:spPr>
+          <p:txBody>
+            <a:bodyPr wrap="square" rtlCol="0">
+              <a:spAutoFit/>
+            </a:bodyPr>
+            <a:lstStyle/>
+            <a:p>
+              <a:r>
+                <a:rPr lang="en-US" altLang="zh-CN" dirty="0"/>
+                <a:t>data </a:t>
+              </a:r>
+              <a:r>
+                <a:rPr lang="zh-CN" altLang="en-US" dirty="0"/>
+                <a:t>更新 </a:t>
+              </a:r>
+              <a:r>
+                <a:rPr lang="en-US" altLang="zh-CN" dirty="0"/>
+                <a:t>view</a:t>
+              </a:r>
+              <a:endParaRPr lang="zh-CN" altLang="en-US" dirty="0"/>
+            </a:p>
+          </p:txBody>
+        </p:sp>
+        <p:sp>
+          <p:nvSpPr>
+            <p:cNvPr id="16" name="文本框 15">
+              <a:extLst>
+                <a:ext uri="{FF2B5EF4-FFF2-40B4-BE49-F238E27FC236}">
+                  <a16:creationId xmlns:a16="http://schemas.microsoft.com/office/drawing/2014/main" id="{9E417D24-A3F0-4417-966A-BDBBFC665796}"/>
+                </a:ext>
+              </a:extLst>
+            </p:cNvPr>
+            <p:cNvSpPr txBox="1"/>
+            <p:nvPr/>
+          </p:nvSpPr>
+          <p:spPr>
+            <a:xfrm>
+              <a:off x="4900925" y="1075761"/>
+              <a:ext cx="1714501" cy="369332"/>
+            </a:xfrm>
+            <a:prstGeom prst="rect">
+              <a:avLst/>
+            </a:prstGeom>
+            <a:noFill/>
+          </p:spPr>
+          <p:txBody>
+            <a:bodyPr wrap="square" rtlCol="0">
+              <a:spAutoFit/>
+            </a:bodyPr>
+            <a:lstStyle/>
+            <a:p>
+              <a:r>
+                <a:rPr lang="en-US" altLang="zh-CN" dirty="0"/>
+                <a:t>view </a:t>
+              </a:r>
+              <a:r>
+                <a:rPr lang="zh-CN" altLang="en-US" dirty="0"/>
+                <a:t>更新 </a:t>
+              </a:r>
+              <a:r>
+                <a:rPr lang="en-US" altLang="zh-CN" dirty="0"/>
+                <a:t>data</a:t>
+              </a:r>
+              <a:endParaRPr lang="zh-CN" altLang="en-US" dirty="0"/>
+            </a:p>
+          </p:txBody>
+        </p:sp>
+      </p:grpSp>
     </p:spTree>
     <p:extLst>
       <p:ext uri="{BB962C8B-B14F-4D97-AF65-F5344CB8AC3E}">
@@ -18593,7 +19474,7 @@
                             </p:stCondLst>
                             <p:childTnLst>
                               <p:par>
-                                <p:cTn id="5" presetID="6" presetClass="entr" presetSubtype="16" fill="hold" nodeType="withEffect">
+                                <p:cTn id="5" presetID="14" presetClass="entr" presetSubtype="10" fill="hold" nodeType="withEffect">
                                   <p:stCondLst>
                                     <p:cond delay="0"/>
                                   </p:stCondLst>
@@ -18616,14 +19497,264 @@
                                         <p:strVal val="visible"/>
                                       </p:to>
                                     </p:set>
-                                    <p:animEffect transition="in" filter="circle(in)">
+                                    <p:animEffect transition="in" filter="randombar(horizontal)">
                                       <p:cBhvr>
-                                        <p:cTn id="7" dur="2000"/>
+                                        <p:cTn id="7" dur="500"/>
                                         <p:tgtEl>
                                           <p:spTgt spid="9"/>
                                         </p:tgtEl>
                                       </p:cBhvr>
                                     </p:animEffect>
+                                  </p:childTnLst>
+                                </p:cTn>
+                              </p:par>
+                              <p:par>
+                                <p:cTn id="8" presetID="14" presetClass="entr" presetSubtype="10" fill="hold" nodeType="withEffect">
+                                  <p:stCondLst>
+                                    <p:cond delay="0"/>
+                                  </p:stCondLst>
+                                  <p:childTnLst>
+                                    <p:set>
+                                      <p:cBhvr>
+                                        <p:cTn id="9" dur="1" fill="hold">
+                                          <p:stCondLst>
+                                            <p:cond delay="0"/>
+                                          </p:stCondLst>
+                                        </p:cTn>
+                                        <p:tgtEl>
+                                          <p:spTgt spid="5"/>
+                                        </p:tgtEl>
+                                        <p:attrNameLst>
+                                          <p:attrName>style.visibility</p:attrName>
+                                        </p:attrNameLst>
+                                      </p:cBhvr>
+                                      <p:to>
+                                        <p:strVal val="visible"/>
+                                      </p:to>
+                                    </p:set>
+                                    <p:animEffect transition="in" filter="randombar(horizontal)">
+                                      <p:cBhvr>
+                                        <p:cTn id="10" dur="500"/>
+                                        <p:tgtEl>
+                                          <p:spTgt spid="5"/>
+                                        </p:tgtEl>
+                                      </p:cBhvr>
+                                    </p:animEffect>
+                                  </p:childTnLst>
+                                </p:cTn>
+                              </p:par>
+                              <p:par>
+                                <p:cTn id="11" presetID="14" presetClass="entr" presetSubtype="10" fill="hold" grpId="0" nodeType="withEffect">
+                                  <p:stCondLst>
+                                    <p:cond delay="0"/>
+                                  </p:stCondLst>
+                                  <p:childTnLst>
+                                    <p:set>
+                                      <p:cBhvr>
+                                        <p:cTn id="12" dur="1" fill="hold">
+                                          <p:stCondLst>
+                                            <p:cond delay="0"/>
+                                          </p:stCondLst>
+                                        </p:cTn>
+                                        <p:tgtEl>
+                                          <p:spTgt spid="12"/>
+                                        </p:tgtEl>
+                                        <p:attrNameLst>
+                                          <p:attrName>style.visibility</p:attrName>
+                                        </p:attrNameLst>
+                                      </p:cBhvr>
+                                      <p:to>
+                                        <p:strVal val="visible"/>
+                                      </p:to>
+                                    </p:set>
+                                    <p:animEffect transition="in" filter="randombar(horizontal)">
+                                      <p:cBhvr>
+                                        <p:cTn id="13" dur="500"/>
+                                        <p:tgtEl>
+                                          <p:spTgt spid="12"/>
+                                        </p:tgtEl>
+                                      </p:cBhvr>
+                                    </p:animEffect>
+                                  </p:childTnLst>
+                                </p:cTn>
+                              </p:par>
+                            </p:childTnLst>
+                          </p:cTn>
+                        </p:par>
+                      </p:childTnLst>
+                    </p:cTn>
+                  </p:par>
+                  <p:par>
+                    <p:cTn id="14" fill="hold">
+                      <p:stCondLst>
+                        <p:cond delay="indefinite"/>
+                      </p:stCondLst>
+                      <p:childTnLst>
+                        <p:par>
+                          <p:cTn id="15" fill="hold">
+                            <p:stCondLst>
+                              <p:cond delay="0"/>
+                            </p:stCondLst>
+                            <p:childTnLst>
+                              <p:par>
+                                <p:cTn id="16" presetID="42" presetClass="exit" presetSubtype="0" fill="hold" grpId="1" nodeType="clickEffect">
+                                  <p:stCondLst>
+                                    <p:cond delay="0"/>
+                                  </p:stCondLst>
+                                  <p:childTnLst>
+                                    <p:animEffect transition="out" filter="fade">
+                                      <p:cBhvr>
+                                        <p:cTn id="17" dur="1000"/>
+                                        <p:tgtEl>
+                                          <p:spTgt spid="12"/>
+                                        </p:tgtEl>
+                                      </p:cBhvr>
+                                    </p:animEffect>
+                                    <p:anim calcmode="lin" valueType="num">
+                                      <p:cBhvr>
+                                        <p:cTn id="18" dur="1000"/>
+                                        <p:tgtEl>
+                                          <p:spTgt spid="12"/>
+                                        </p:tgtEl>
+                                        <p:attrNameLst>
+                                          <p:attrName>ppt_x</p:attrName>
+                                        </p:attrNameLst>
+                                      </p:cBhvr>
+                                      <p:tavLst>
+                                        <p:tav tm="0">
+                                          <p:val>
+                                            <p:strVal val="ppt_x"/>
+                                          </p:val>
+                                        </p:tav>
+                                        <p:tav tm="100000">
+                                          <p:val>
+                                            <p:strVal val="ppt_x"/>
+                                          </p:val>
+                                        </p:tav>
+                                      </p:tavLst>
+                                    </p:anim>
+                                    <p:anim calcmode="lin" valueType="num">
+                                      <p:cBhvr>
+                                        <p:cTn id="19" dur="1000"/>
+                                        <p:tgtEl>
+                                          <p:spTgt spid="12"/>
+                                        </p:tgtEl>
+                                        <p:attrNameLst>
+                                          <p:attrName>ppt_y</p:attrName>
+                                        </p:attrNameLst>
+                                      </p:cBhvr>
+                                      <p:tavLst>
+                                        <p:tav tm="0">
+                                          <p:val>
+                                            <p:strVal val="ppt_y"/>
+                                          </p:val>
+                                        </p:tav>
+                                        <p:tav tm="100000">
+                                          <p:val>
+                                            <p:strVal val="ppt_y+.1"/>
+                                          </p:val>
+                                        </p:tav>
+                                      </p:tavLst>
+                                    </p:anim>
+                                    <p:set>
+                                      <p:cBhvr>
+                                        <p:cTn id="20" dur="1" fill="hold">
+                                          <p:stCondLst>
+                                            <p:cond delay="999"/>
+                                          </p:stCondLst>
+                                        </p:cTn>
+                                        <p:tgtEl>
+                                          <p:spTgt spid="12"/>
+                                        </p:tgtEl>
+                                        <p:attrNameLst>
+                                          <p:attrName>style.visibility</p:attrName>
+                                        </p:attrNameLst>
+                                      </p:cBhvr>
+                                      <p:to>
+                                        <p:strVal val="hidden"/>
+                                      </p:to>
+                                    </p:set>
+                                  </p:childTnLst>
+                                </p:cTn>
+                              </p:par>
+                              <p:par>
+                                <p:cTn id="21" presetID="42" presetClass="entr" presetSubtype="0" fill="hold" nodeType="withEffect">
+                                  <p:stCondLst>
+                                    <p:cond delay="0"/>
+                                  </p:stCondLst>
+                                  <p:childTnLst>
+                                    <p:set>
+                                      <p:cBhvr>
+                                        <p:cTn id="22" dur="1" fill="hold">
+                                          <p:stCondLst>
+                                            <p:cond delay="0"/>
+                                          </p:stCondLst>
+                                        </p:cTn>
+                                        <p:tgtEl>
+                                          <p:spTgt spid="8"/>
+                                        </p:tgtEl>
+                                        <p:attrNameLst>
+                                          <p:attrName>style.visibility</p:attrName>
+                                        </p:attrNameLst>
+                                      </p:cBhvr>
+                                      <p:to>
+                                        <p:strVal val="visible"/>
+                                      </p:to>
+                                    </p:set>
+                                    <p:animEffect transition="in" filter="fade">
+                                      <p:cBhvr>
+                                        <p:cTn id="23" dur="1000"/>
+                                        <p:tgtEl>
+                                          <p:spTgt spid="8"/>
+                                        </p:tgtEl>
+                                      </p:cBhvr>
+                                    </p:animEffect>
+                                    <p:anim calcmode="lin" valueType="num">
+                                      <p:cBhvr>
+                                        <p:cTn id="24" dur="1000" fill="hold"/>
+                                        <p:tgtEl>
+                                          <p:spTgt spid="8"/>
+                                        </p:tgtEl>
+                                        <p:attrNameLst>
+                                          <p:attrName>ppt_x</p:attrName>
+                                        </p:attrNameLst>
+                                      </p:cBhvr>
+                                      <p:tavLst>
+                                        <p:tav tm="0">
+                                          <p:val>
+                                            <p:strVal val="#ppt_x"/>
+                                          </p:val>
+                                        </p:tav>
+                                        <p:tav tm="100000">
+                                          <p:val>
+                                            <p:strVal val="#ppt_x"/>
+                                          </p:val>
+                                        </p:tav>
+                                      </p:tavLst>
+                                    </p:anim>
+                                    <p:anim calcmode="lin" valueType="num">
+                                      <p:cBhvr>
+                                        <p:cTn id="25" dur="1000" fill="hold"/>
+                                        <p:tgtEl>
+                                          <p:spTgt spid="8"/>
+                                        </p:tgtEl>
+                                        <p:attrNameLst>
+                                          <p:attrName>ppt_y</p:attrName>
+                                        </p:attrNameLst>
+                                      </p:cBhvr>
+                                      <p:tavLst>
+                                        <p:tav tm="0">
+                                          <p:val>
+                                            <p:strVal val="#ppt_y+.1"/>
+                                          </p:val>
+                                        </p:tav>
+                                        <p:tav tm="100000">
+                                          <p:val>
+                                            <p:strVal val="#ppt_y"/>
+                                          </p:val>
+                                        </p:tav>
+                                      </p:tavLst>
+                                    </p:anim>
                                   </p:childTnLst>
                                 </p:cTn>
                               </p:par>
@@ -18654,6 +19785,10 @@
         </p:cTn>
       </p:par>
     </p:tnLst>
+    <p:bldLst>
+      <p:bldP spid="12" grpId="0"/>
+      <p:bldP spid="12" grpId="1"/>
+    </p:bldLst>
   </p:timing>
 </p:sld>
 </file>
@@ -18828,7 +19963,7 @@
         <p:spPr>
           <a:xfrm>
             <a:off x="277427" y="1733746"/>
-            <a:ext cx="5075808" cy="1292662"/>
+            <a:ext cx="5075808" cy="1843453"/>
           </a:xfrm>
           <a:prstGeom prst="rect">
             <a:avLst/>
@@ -18841,18 +19976,33 @@
           </a:bodyPr>
           <a:lstStyle/>
           <a:p>
+            <a:pPr>
+              <a:lnSpc>
+                <a:spcPct val="150000"/>
+              </a:lnSpc>
+            </a:pPr>
             <a:r>
               <a:rPr lang="zh-CN" altLang="en-US" sz="2400" b="1" dirty="0"/>
               <a:t>v-model本质上是个语法糖</a:t>
             </a:r>
           </a:p>
           <a:p>
+            <a:pPr>
+              <a:lnSpc>
+                <a:spcPct val="150000"/>
+              </a:lnSpc>
+            </a:pPr>
             <a:r>
               <a:rPr lang="zh-CN" altLang="en-US" dirty="0"/>
               <a:t>原理：</a:t>
             </a:r>
           </a:p>
           <a:p>
+            <a:pPr>
+              <a:lnSpc>
+                <a:spcPct val="150000"/>
+              </a:lnSpc>
+            </a:pPr>
             <a:r>
               <a:rPr lang="zh-CN" altLang="en-US" dirty="0"/>
               <a:t>	通过v-bind</a:t>
@@ -18867,6 +20017,11 @@
             </a:r>
           </a:p>
           <a:p>
+            <a:pPr>
+              <a:lnSpc>
+                <a:spcPct val="150000"/>
+              </a:lnSpc>
+            </a:pPr>
             <a:r>
               <a:rPr lang="zh-CN" altLang="en-US" dirty="0"/>
               <a:t>	通过v-on</a:t>
@@ -18926,8 +20081,8 @@
         </p:nvSpPr>
         <p:spPr>
           <a:xfrm>
-            <a:off x="5540427" y="2103078"/>
-            <a:ext cx="6094520" cy="923330"/>
+            <a:off x="5540427" y="2277889"/>
+            <a:ext cx="6094520" cy="1289456"/>
           </a:xfrm>
           <a:prstGeom prst="rect">
             <a:avLst/>
@@ -18940,12 +20095,22 @@
           </a:bodyPr>
           <a:lstStyle/>
           <a:p>
+            <a:pPr>
+              <a:lnSpc>
+                <a:spcPct val="150000"/>
+              </a:lnSpc>
+            </a:pPr>
             <a:r>
               <a:rPr lang="zh-CN" altLang="en-US" dirty="0"/>
               <a:t>v-on:input="" 用于动态监听用户输入的信息</a:t>
             </a:r>
           </a:p>
           <a:p>
+            <a:pPr>
+              <a:lnSpc>
+                <a:spcPct val="150000"/>
+              </a:lnSpc>
+            </a:pPr>
             <a:r>
               <a:rPr lang="zh-CN" altLang="en-US" dirty="0"/>
               <a:t>在界面上产生一个事件后，浏览器会生成一个event对象，这个event对象就包含了输入的信息</a:t>
@@ -19233,8 +20398,8 @@
         </p:nvSpPr>
         <p:spPr>
           <a:xfrm>
-            <a:off x="294442" y="4185294"/>
-            <a:ext cx="11603116" cy="2308324"/>
+            <a:off x="294442" y="3985900"/>
+            <a:ext cx="11603116" cy="1289456"/>
           </a:xfrm>
           <a:prstGeom prst="rect">
             <a:avLst/>
@@ -19247,6 +20412,11 @@
           </a:bodyPr>
           <a:lstStyle/>
           <a:p>
+            <a:pPr>
+              <a:lnSpc>
+                <a:spcPct val="150000"/>
+              </a:lnSpc>
+            </a:pPr>
             <a:r>
               <a:rPr lang="en-US" altLang="zh-CN" b="1" dirty="0"/>
               <a:t>MVVM</a:t>
@@ -19285,7 +20455,15 @@
             </a:r>
             <a:r>
               <a:rPr lang="zh-CN" altLang="en-US" dirty="0"/>
-              <a:t>()来劫持各个属性的</a:t>
+              <a:t>来劫持</a:t>
+            </a:r>
+            <a:r>
+              <a:rPr lang="en-US" altLang="zh-CN" b="1" dirty="0"/>
+              <a:t>data</a:t>
+            </a:r>
+            <a:r>
+              <a:rPr lang="zh-CN" altLang="en-US" dirty="0"/>
+              <a:t>中各个属性的</a:t>
             </a:r>
             <a:r>
               <a:rPr lang="zh-CN" altLang="en-US" b="1" dirty="0"/>
@@ -19293,7 +20471,15 @@
             </a:r>
             <a:r>
               <a:rPr lang="zh-CN" altLang="en-US" dirty="0"/>
-              <a:t>，在数据变动时发布消息给订阅者，</a:t>
+              <a:t>，在数据</a:t>
+            </a:r>
+            <a:r>
+              <a:rPr lang="zh-CN" altLang="en-US" b="1" dirty="0"/>
+              <a:t>变动</a:t>
+            </a:r>
+            <a:r>
+              <a:rPr lang="zh-CN" altLang="en-US" dirty="0"/>
+              <a:t>时发布消息给订阅者，</a:t>
             </a:r>
             <a:r>
               <a:rPr lang="zh-CN" altLang="en-US" b="1" dirty="0"/>
@@ -19301,55 +20487,19 @@
             </a:r>
             <a:r>
               <a:rPr lang="zh-CN" altLang="en-US" dirty="0"/>
-              <a:t>相应的监听回调。就必须要实现以下几点：</a:t>
-            </a:r>
+              <a:t>相应的监听回调。</a:t>
+            </a:r>
+            <a:endParaRPr lang="en-US" altLang="zh-CN" dirty="0"/>
           </a:p>
           <a:p>
+            <a:pPr>
+              <a:lnSpc>
+                <a:spcPct val="150000"/>
+              </a:lnSpc>
+            </a:pPr>
             <a:r>
               <a:rPr lang="zh-CN" altLang="en-US" dirty="0"/>
-              <a:t>1、实现一个数据监听器</a:t>
-            </a:r>
-            <a:r>
-              <a:rPr lang="zh-CN" altLang="en-US" b="1" dirty="0"/>
-              <a:t>Observer</a:t>
-            </a:r>
-            <a:r>
-              <a:rPr lang="zh-CN" altLang="en-US" dirty="0"/>
-              <a:t>，能够对数据对象的所有属性进行监听，如有变动可拿到最新值并通知订阅者</a:t>
-            </a:r>
-          </a:p>
-          <a:p>
-            <a:r>
-              <a:rPr lang="zh-CN" altLang="en-US" dirty="0"/>
-              <a:t>2、实现一个指令解析器</a:t>
-            </a:r>
-            <a:r>
-              <a:rPr lang="zh-CN" altLang="en-US" b="1" dirty="0"/>
-              <a:t>Compile</a:t>
-            </a:r>
-            <a:r>
-              <a:rPr lang="zh-CN" altLang="en-US" dirty="0"/>
-              <a:t>，对每个元素节点的指令进行扫描和解析，根据指令模板替换数据，以及绑定相应的更新函数</a:t>
-            </a:r>
-          </a:p>
-          <a:p>
-            <a:r>
-              <a:rPr lang="zh-CN" altLang="en-US" dirty="0"/>
-              <a:t>3、实现一个</a:t>
-            </a:r>
-            <a:r>
-              <a:rPr lang="zh-CN" altLang="en-US" b="1" dirty="0"/>
-              <a:t>Watcher</a:t>
-            </a:r>
-            <a:r>
-              <a:rPr lang="zh-CN" altLang="en-US" dirty="0"/>
-              <a:t>，作为连接Observer和Compile的桥梁，能够订阅并收到每个属性变动的通知，执行指令绑定的相应回调函数，从而更新视图</a:t>
-            </a:r>
-          </a:p>
-          <a:p>
-            <a:r>
-              <a:rPr lang="zh-CN" altLang="en-US" dirty="0"/>
-              <a:t>4、mvvm入口函数，整合以上三者</a:t>
+              <a:t>实现以下几点：</a:t>
             </a:r>
           </a:p>
         </p:txBody>
@@ -19368,8 +20518,8 @@
         </p:nvSpPr>
         <p:spPr>
           <a:xfrm>
-            <a:off x="142875" y="3256417"/>
-            <a:ext cx="1926454" cy="859836"/>
+            <a:off x="135655" y="3005089"/>
+            <a:ext cx="2250701" cy="961793"/>
           </a:xfrm>
           <a:prstGeom prst="wedgeRectCallout">
             <a:avLst/>
@@ -19399,7 +20549,7 @@
           <a:lstStyle/>
           <a:p>
             <a:r>
-              <a:rPr lang="en-US" altLang="zh-CN" sz="1200" dirty="0">
+              <a:rPr lang="en-US" altLang="zh-CN" sz="1400" dirty="0">
                 <a:solidFill>
                   <a:srgbClr val="00B0F0"/>
                 </a:solidFill>
@@ -19407,7 +20557,7 @@
               <a:t>MVVM</a:t>
             </a:r>
             <a:r>
-              <a:rPr lang="zh-CN" altLang="en-US" sz="1200" dirty="0">
+              <a:rPr lang="zh-CN" altLang="en-US" sz="1400" dirty="0">
                 <a:solidFill>
                   <a:srgbClr val="00B0F0"/>
                 </a:solidFill>
@@ -19417,7 +20567,7 @@
           </a:p>
           <a:p>
             <a:r>
-              <a:rPr lang="zh-CN" altLang="en-US" sz="1200" dirty="0">
+              <a:rPr lang="zh-CN" altLang="en-US" sz="1400" dirty="0">
                 <a:solidFill>
                   <a:srgbClr val="00B0F0"/>
                 </a:solidFill>
@@ -19425,7 +20575,7 @@
               <a:t>​    </a:t>
             </a:r>
             <a:r>
-              <a:rPr lang="en-US" altLang="zh-CN" sz="1200" dirty="0">
+              <a:rPr lang="en-US" altLang="zh-CN" sz="1400" dirty="0">
                 <a:solidFill>
                   <a:srgbClr val="00B0F0"/>
                 </a:solidFill>
@@ -19433,7 +20583,7 @@
               <a:t>Model </a:t>
             </a:r>
             <a:r>
-              <a:rPr lang="zh-CN" altLang="en-US" sz="1200" dirty="0">
+              <a:rPr lang="zh-CN" altLang="en-US" sz="1400" dirty="0">
                 <a:solidFill>
                   <a:srgbClr val="00B0F0"/>
                 </a:solidFill>
@@ -19443,7 +20593,7 @@
           </a:p>
           <a:p>
             <a:r>
-              <a:rPr lang="zh-CN" altLang="en-US" sz="1200" dirty="0">
+              <a:rPr lang="zh-CN" altLang="en-US" sz="1400" dirty="0">
                 <a:solidFill>
                   <a:srgbClr val="00B0F0"/>
                 </a:solidFill>
@@ -19451,7 +20601,7 @@
               <a:t>​    </a:t>
             </a:r>
             <a:r>
-              <a:rPr lang="en-US" altLang="zh-CN" sz="1200" dirty="0">
+              <a:rPr lang="en-US" altLang="zh-CN" sz="1400" dirty="0">
                 <a:solidFill>
                   <a:srgbClr val="00B0F0"/>
                 </a:solidFill>
@@ -19459,7 +20609,7 @@
               <a:t>View </a:t>
             </a:r>
             <a:r>
-              <a:rPr lang="zh-CN" altLang="en-US" sz="1200" dirty="0">
+              <a:rPr lang="zh-CN" altLang="en-US" sz="1400" dirty="0">
                 <a:solidFill>
                   <a:srgbClr val="00B0F0"/>
                 </a:solidFill>
@@ -19469,7 +20619,7 @@
           </a:p>
           <a:p>
             <a:r>
-              <a:rPr lang="zh-CN" altLang="en-US" sz="1200" dirty="0">
+              <a:rPr lang="zh-CN" altLang="en-US" sz="1400" dirty="0">
                 <a:solidFill>
                   <a:srgbClr val="00B0F0"/>
                 </a:solidFill>
@@ -19477,7 +20627,7 @@
               <a:t>​    </a:t>
             </a:r>
             <a:r>
-              <a:rPr lang="en-US" altLang="zh-CN" sz="1200" dirty="0" err="1">
+              <a:rPr lang="en-US" altLang="zh-CN" sz="1400" dirty="0" err="1">
                 <a:solidFill>
                   <a:srgbClr val="00B0F0"/>
                 </a:solidFill>
@@ -19485,7 +20635,7 @@
               <a:t>ViewModel</a:t>
             </a:r>
             <a:r>
-              <a:rPr lang="en-US" altLang="zh-CN" sz="1200" dirty="0">
+              <a:rPr lang="en-US" altLang="zh-CN" sz="1400" dirty="0">
                 <a:solidFill>
                   <a:srgbClr val="00B0F0"/>
                 </a:solidFill>
@@ -19493,7 +20643,7 @@
               <a:t> </a:t>
             </a:r>
             <a:r>
-              <a:rPr lang="zh-CN" altLang="en-US" sz="1200" dirty="0">
+              <a:rPr lang="zh-CN" altLang="en-US" sz="1400" dirty="0">
                 <a:solidFill>
                   <a:srgbClr val="00B0F0"/>
                 </a:solidFill>
@@ -19503,72 +20653,12 @@
           </a:p>
         </p:txBody>
       </p:sp>
-      <p:pic>
-        <p:nvPicPr>
-          <p:cNvPr id="12" name="图片 11">
+      <p:sp>
+        <p:nvSpPr>
+          <p:cNvPr id="22" name="文本框 21">
             <a:extLst>
               <a:ext uri="{FF2B5EF4-FFF2-40B4-BE49-F238E27FC236}">
-                <a16:creationId xmlns:a16="http://schemas.microsoft.com/office/drawing/2014/main" id="{7802FCA4-2782-4572-912E-7611BCCB256D}"/>
-              </a:ext>
-            </a:extLst>
-          </p:cNvPr>
-          <p:cNvPicPr>
-            <a:picLocks noChangeAspect="1"/>
-          </p:cNvPicPr>
-          <p:nvPr/>
-        </p:nvPicPr>
-        <p:blipFill>
-          <a:blip r:embed="rId4"/>
-          <a:stretch>
-            <a:fillRect/>
-          </a:stretch>
-        </p:blipFill>
-        <p:spPr>
-          <a:xfrm>
-            <a:off x="3409402" y="15280"/>
-            <a:ext cx="7521592" cy="3743154"/>
-          </a:xfrm>
-          <a:prstGeom prst="rect">
-            <a:avLst/>
-          </a:prstGeom>
-        </p:spPr>
-      </p:pic>
-      <p:pic>
-        <p:nvPicPr>
-          <p:cNvPr id="16" name="图片 15">
-            <a:extLst>
-              <a:ext uri="{FF2B5EF4-FFF2-40B4-BE49-F238E27FC236}">
-                <a16:creationId xmlns:a16="http://schemas.microsoft.com/office/drawing/2014/main" id="{88E80E95-33EF-4471-9711-456426CB5A41}"/>
-              </a:ext>
-            </a:extLst>
-          </p:cNvPr>
-          <p:cNvPicPr>
-            <a:picLocks noChangeAspect="1"/>
-          </p:cNvPicPr>
-          <p:nvPr/>
-        </p:nvPicPr>
-        <p:blipFill>
-          <a:blip r:embed="rId5"/>
-          <a:stretch>
-            <a:fillRect/>
-          </a:stretch>
-        </p:blipFill>
-        <p:spPr>
-          <a:xfrm>
-            <a:off x="2691960" y="1137668"/>
-            <a:ext cx="8791226" cy="2118749"/>
-          </a:xfrm>
-          <a:prstGeom prst="rect">
-            <a:avLst/>
-          </a:prstGeom>
-        </p:spPr>
-      </p:pic>
-      <p:sp>
-        <p:nvSpPr>
-          <p:cNvPr id="21" name="文本框 20">
-            <a:extLst>
-              <a:ext uri="{FF2B5EF4-FFF2-40B4-BE49-F238E27FC236}">
-                <a16:creationId xmlns:a16="http://schemas.microsoft.com/office/drawing/2014/main" id="{BEBF475A-C48B-4805-8360-81DB3E420FB0}"/>
+                <a16:creationId xmlns:a16="http://schemas.microsoft.com/office/drawing/2014/main" id="{DB1F5848-44E8-41B0-8C2D-73DB79980879}"/>
               </a:ext>
             </a:extLst>
           </p:cNvPr>
@@ -19577,8 +20667,8 @@
         </p:nvSpPr>
         <p:spPr>
           <a:xfrm>
-            <a:off x="2420880" y="4900398"/>
-            <a:ext cx="6617471" cy="1015663"/>
+            <a:off x="452156" y="5288803"/>
+            <a:ext cx="11445402" cy="1289456"/>
           </a:xfrm>
           <a:prstGeom prst="rect">
             <a:avLst/>
@@ -19591,85 +20681,945 @@
           </a:bodyPr>
           <a:lstStyle/>
           <a:p>
-            <a:pPr algn="l">
-              <a:buFont typeface="Arial" panose="020B0604020202020204" pitchFamily="34" charset="0"/>
-              <a:buChar char="•"/>
+            <a:pPr>
+              <a:lnSpc>
+                <a:spcPct val="150000"/>
+              </a:lnSpc>
             </a:pPr>
             <a:r>
-              <a:rPr lang="en-US" altLang="zh-CN" sz="2000" b="0" i="0" dirty="0">
-                <a:solidFill>
-                  <a:srgbClr val="0070C0"/>
-                </a:solidFill>
-                <a:effectLst/>
-                <a:latin typeface="-apple-system"/>
-              </a:rPr>
-              <a:t>Observer </a:t>
-            </a:r>
-            <a:r>
-              <a:rPr lang="zh-CN" altLang="en-US" sz="2000" b="0" i="0" dirty="0">
-                <a:solidFill>
-                  <a:srgbClr val="0070C0"/>
-                </a:solidFill>
-                <a:effectLst/>
-                <a:latin typeface="-apple-system"/>
-              </a:rPr>
-              <a:t>监听器：用来监听属性的变化通知订阅者</a:t>
+              <a:rPr lang="en-US" altLang="zh-CN" dirty="0"/>
+              <a:t>1</a:t>
+            </a:r>
+            <a:r>
+              <a:rPr lang="zh-CN" altLang="en-US" dirty="0"/>
+              <a:t>、数据</a:t>
+            </a:r>
+            <a:r>
+              <a:rPr lang="zh-CN" altLang="en-US" b="1" dirty="0"/>
+              <a:t>监听器</a:t>
+            </a:r>
+            <a:r>
+              <a:rPr lang="en-US" altLang="zh-CN" dirty="0"/>
+              <a:t>(Observer)</a:t>
+            </a:r>
+            <a:r>
+              <a:rPr lang="zh-CN" altLang="en-US" dirty="0"/>
+              <a:t>：用来监听属性的变化</a:t>
+            </a:r>
+            <a:r>
+              <a:rPr lang="zh-CN" altLang="en-US" b="1" dirty="0"/>
+              <a:t>通知</a:t>
+            </a:r>
+            <a:r>
+              <a:rPr lang="zh-CN" altLang="en-US" dirty="0"/>
+              <a:t>订阅者</a:t>
             </a:r>
           </a:p>
           <a:p>
-            <a:pPr algn="l">
-              <a:buFont typeface="Arial" panose="020B0604020202020204" pitchFamily="34" charset="0"/>
-              <a:buChar char="•"/>
+            <a:pPr>
+              <a:lnSpc>
+                <a:spcPct val="150000"/>
+              </a:lnSpc>
             </a:pPr>
             <a:r>
-              <a:rPr lang="en-US" altLang="zh-CN" sz="2000" b="0" i="0" dirty="0">
-                <a:solidFill>
-                  <a:srgbClr val="0070C0"/>
-                </a:solidFill>
-                <a:effectLst/>
-                <a:latin typeface="-apple-system"/>
-              </a:rPr>
-              <a:t>Watcher </a:t>
-            </a:r>
-            <a:r>
-              <a:rPr lang="zh-CN" altLang="en-US" sz="2000" b="0" i="0" dirty="0">
-                <a:solidFill>
-                  <a:srgbClr val="0070C0"/>
-                </a:solidFill>
-                <a:effectLst/>
-                <a:latin typeface="-apple-system"/>
-              </a:rPr>
-              <a:t>订阅者：收到属性的变化，然后更新视图</a:t>
-            </a:r>
+              <a:rPr lang="en-US" altLang="zh-CN" dirty="0"/>
+              <a:t>2</a:t>
+            </a:r>
+            <a:r>
+              <a:rPr lang="zh-CN" altLang="en-US" dirty="0"/>
+              <a:t>、指令</a:t>
+            </a:r>
+            <a:r>
+              <a:rPr lang="zh-CN" altLang="en-US" b="1" dirty="0"/>
+              <a:t>解析器</a:t>
+            </a:r>
+            <a:r>
+              <a:rPr lang="en-US" altLang="zh-CN" dirty="0"/>
+              <a:t>(Compile)</a:t>
+            </a:r>
+            <a:r>
+              <a:rPr lang="zh-CN" altLang="en-US" dirty="0"/>
+              <a:t>：解析指令、初始化模版、绑定订阅者</a:t>
+            </a:r>
+            <a:endParaRPr lang="en-US" altLang="zh-CN" dirty="0"/>
           </a:p>
           <a:p>
-            <a:pPr algn="l">
-              <a:buFont typeface="Arial" panose="020B0604020202020204" pitchFamily="34" charset="0"/>
-              <a:buChar char="•"/>
+            <a:pPr>
+              <a:lnSpc>
+                <a:spcPct val="150000"/>
+              </a:lnSpc>
             </a:pPr>
             <a:r>
-              <a:rPr lang="en-US" altLang="zh-CN" sz="2000" b="0" i="0" dirty="0">
-                <a:solidFill>
-                  <a:srgbClr val="0070C0"/>
-                </a:solidFill>
-                <a:effectLst/>
-                <a:latin typeface="-apple-system"/>
-              </a:rPr>
-              <a:t>Compile </a:t>
-            </a:r>
-            <a:r>
-              <a:rPr lang="zh-CN" altLang="en-US" sz="2000" b="0" i="0" dirty="0">
-                <a:solidFill>
-                  <a:srgbClr val="0070C0"/>
-                </a:solidFill>
-                <a:effectLst/>
-                <a:latin typeface="-apple-system"/>
-              </a:rPr>
-              <a:t>解析器：解析指令，初始化模版，绑定订阅者</a:t>
+              <a:rPr lang="en-US" altLang="zh-CN" dirty="0"/>
+              <a:t>3</a:t>
+            </a:r>
+            <a:r>
+              <a:rPr lang="zh-CN" altLang="en-US" dirty="0"/>
+              <a:t>、</a:t>
+            </a:r>
+            <a:r>
+              <a:rPr lang="zh-CN" altLang="en-US" b="1" dirty="0"/>
+              <a:t>订阅者</a:t>
+            </a:r>
+            <a:r>
+              <a:rPr lang="en-US" altLang="zh-CN" dirty="0"/>
+              <a:t>(Watcher)</a:t>
+            </a:r>
+            <a:r>
+              <a:rPr lang="zh-CN" altLang="en-US" dirty="0"/>
+              <a:t>：作为连接</a:t>
+            </a:r>
+            <a:r>
+              <a:rPr lang="zh-CN" altLang="en-US" b="1" dirty="0"/>
+              <a:t>监听器</a:t>
+            </a:r>
+            <a:r>
+              <a:rPr lang="zh-CN" altLang="en-US" dirty="0"/>
+              <a:t>和</a:t>
+            </a:r>
+            <a:r>
+              <a:rPr lang="zh-CN" altLang="en-US" b="1" dirty="0"/>
+              <a:t>解析器</a:t>
+            </a:r>
+            <a:r>
+              <a:rPr lang="zh-CN" altLang="en-US" dirty="0"/>
+              <a:t>的桥梁</a:t>
+            </a:r>
+            <a:r>
+              <a:rPr lang="en-US" altLang="zh-CN" dirty="0"/>
+              <a:t>,</a:t>
+            </a:r>
+            <a:r>
+              <a:rPr lang="zh-CN" altLang="en-US" dirty="0"/>
+              <a:t>收到属性的</a:t>
+            </a:r>
+            <a:r>
+              <a:rPr lang="zh-CN" altLang="en-US" b="1" dirty="0"/>
+              <a:t>变化</a:t>
+            </a:r>
+            <a:r>
+              <a:rPr lang="zh-CN" altLang="en-US" dirty="0"/>
+              <a:t>通知，然后</a:t>
+            </a:r>
+            <a:r>
+              <a:rPr lang="zh-CN" altLang="en-US" b="1" dirty="0"/>
+              <a:t>更新视图</a:t>
             </a:r>
           </a:p>
         </p:txBody>
       </p:sp>
+      <p:grpSp>
+        <p:nvGrpSpPr>
+          <p:cNvPr id="45" name="组合 44">
+            <a:extLst>
+              <a:ext uri="{FF2B5EF4-FFF2-40B4-BE49-F238E27FC236}">
+                <a16:creationId xmlns:a16="http://schemas.microsoft.com/office/drawing/2014/main" id="{FA446076-7CD8-4A7F-A61D-C946F0D39573}"/>
+              </a:ext>
+            </a:extLst>
+          </p:cNvPr>
+          <p:cNvGrpSpPr/>
+          <p:nvPr/>
+        </p:nvGrpSpPr>
+        <p:grpSpPr>
+          <a:xfrm>
+            <a:off x="4173119" y="34290"/>
+            <a:ext cx="5660210" cy="3765176"/>
+            <a:chOff x="4100106" y="1075765"/>
+            <a:chExt cx="5660210" cy="4180690"/>
+          </a:xfrm>
+        </p:grpSpPr>
+        <p:sp>
+          <p:nvSpPr>
+            <p:cNvPr id="46" name="椭圆 45">
+              <a:extLst>
+                <a:ext uri="{FF2B5EF4-FFF2-40B4-BE49-F238E27FC236}">
+                  <a16:creationId xmlns:a16="http://schemas.microsoft.com/office/drawing/2014/main" id="{B392962E-CF1E-4E05-9E79-CFCE966D8AAF}"/>
+                </a:ext>
+              </a:extLst>
+            </p:cNvPr>
+            <p:cNvSpPr/>
+            <p:nvPr/>
+          </p:nvSpPr>
+          <p:spPr>
+            <a:xfrm>
+              <a:off x="6481477" y="1075765"/>
+              <a:ext cx="1277471" cy="753035"/>
+            </a:xfrm>
+            <a:prstGeom prst="ellipse">
+              <a:avLst/>
+            </a:prstGeom>
+          </p:spPr>
+          <p:style>
+            <a:lnRef idx="2">
+              <a:schemeClr val="accent1">
+                <a:shade val="50000"/>
+              </a:schemeClr>
+            </a:lnRef>
+            <a:fillRef idx="1">
+              <a:schemeClr val="accent1"/>
+            </a:fillRef>
+            <a:effectRef idx="0">
+              <a:schemeClr val="accent1"/>
+            </a:effectRef>
+            <a:fontRef idx="minor">
+              <a:schemeClr val="lt1"/>
+            </a:fontRef>
+          </p:style>
+          <p:txBody>
+            <a:bodyPr rtlCol="0" anchor="ctr"/>
+            <a:lstStyle/>
+            <a:p>
+              <a:pPr algn="ctr"/>
+              <a:r>
+                <a:rPr lang="en-US" altLang="zh-CN" dirty="0"/>
+                <a:t>Dep</a:t>
+              </a:r>
+              <a:endParaRPr lang="zh-CN" altLang="en-US" dirty="0"/>
+            </a:p>
+          </p:txBody>
+        </p:sp>
+        <p:sp>
+          <p:nvSpPr>
+            <p:cNvPr id="48" name="椭圆 47">
+              <a:extLst>
+                <a:ext uri="{FF2B5EF4-FFF2-40B4-BE49-F238E27FC236}">
+                  <a16:creationId xmlns:a16="http://schemas.microsoft.com/office/drawing/2014/main" id="{CC55E550-055F-47D1-9A3D-3D96E012435B}"/>
+                </a:ext>
+              </a:extLst>
+            </p:cNvPr>
+            <p:cNvSpPr/>
+            <p:nvPr/>
+          </p:nvSpPr>
+          <p:spPr>
+            <a:xfrm>
+              <a:off x="6481476" y="4503420"/>
+              <a:ext cx="1277471" cy="753035"/>
+            </a:xfrm>
+            <a:prstGeom prst="ellipse">
+              <a:avLst/>
+            </a:prstGeom>
+          </p:spPr>
+          <p:style>
+            <a:lnRef idx="2">
+              <a:schemeClr val="accent1">
+                <a:shade val="50000"/>
+              </a:schemeClr>
+            </a:lnRef>
+            <a:fillRef idx="1">
+              <a:schemeClr val="accent1"/>
+            </a:fillRef>
+            <a:effectRef idx="0">
+              <a:schemeClr val="accent1"/>
+            </a:effectRef>
+            <a:fontRef idx="minor">
+              <a:schemeClr val="lt1"/>
+            </a:fontRef>
+          </p:style>
+          <p:txBody>
+            <a:bodyPr rtlCol="0" anchor="ctr"/>
+            <a:lstStyle/>
+            <a:p>
+              <a:pPr algn="ctr"/>
+              <a:r>
+                <a:rPr lang="en-US" altLang="zh-CN" dirty="0"/>
+                <a:t>View</a:t>
+              </a:r>
+              <a:endParaRPr lang="zh-CN" altLang="en-US" dirty="0"/>
+            </a:p>
+          </p:txBody>
+        </p:sp>
+        <p:sp>
+          <p:nvSpPr>
+            <p:cNvPr id="49" name="矩形: 圆角 48">
+              <a:extLst>
+                <a:ext uri="{FF2B5EF4-FFF2-40B4-BE49-F238E27FC236}">
+                  <a16:creationId xmlns:a16="http://schemas.microsoft.com/office/drawing/2014/main" id="{44643632-19A7-4840-9857-857B6721AFBD}"/>
+                </a:ext>
+              </a:extLst>
+            </p:cNvPr>
+            <p:cNvSpPr/>
+            <p:nvPr/>
+          </p:nvSpPr>
+          <p:spPr>
+            <a:xfrm>
+              <a:off x="4276159" y="2021541"/>
+              <a:ext cx="1277470" cy="874059"/>
+            </a:xfrm>
+            <a:prstGeom prst="roundRect">
+              <a:avLst/>
+            </a:prstGeom>
+          </p:spPr>
+          <p:style>
+            <a:lnRef idx="2">
+              <a:schemeClr val="accent1">
+                <a:shade val="50000"/>
+              </a:schemeClr>
+            </a:lnRef>
+            <a:fillRef idx="1">
+              <a:schemeClr val="accent1"/>
+            </a:fillRef>
+            <a:effectRef idx="0">
+              <a:schemeClr val="accent1"/>
+            </a:effectRef>
+            <a:fontRef idx="minor">
+              <a:schemeClr val="lt1"/>
+            </a:fontRef>
+          </p:style>
+          <p:txBody>
+            <a:bodyPr rtlCol="0" anchor="ctr"/>
+            <a:lstStyle/>
+            <a:p>
+              <a:pPr algn="ctr"/>
+              <a:r>
+                <a:rPr lang="en-US" altLang="zh-CN" dirty="0"/>
+                <a:t>Observer</a:t>
+              </a:r>
+              <a:endParaRPr lang="zh-CN" altLang="en-US" dirty="0"/>
+            </a:p>
+          </p:txBody>
+        </p:sp>
+        <p:sp>
+          <p:nvSpPr>
+            <p:cNvPr id="50" name="矩形: 圆角 49">
+              <a:extLst>
+                <a:ext uri="{FF2B5EF4-FFF2-40B4-BE49-F238E27FC236}">
+                  <a16:creationId xmlns:a16="http://schemas.microsoft.com/office/drawing/2014/main" id="{EC9374FB-3FD8-4260-8847-5FBDC0C98139}"/>
+                </a:ext>
+              </a:extLst>
+            </p:cNvPr>
+            <p:cNvSpPr/>
+            <p:nvPr/>
+          </p:nvSpPr>
+          <p:spPr>
+            <a:xfrm>
+              <a:off x="4284826" y="3478115"/>
+              <a:ext cx="1277470" cy="874059"/>
+            </a:xfrm>
+            <a:prstGeom prst="roundRect">
+              <a:avLst/>
+            </a:prstGeom>
+          </p:spPr>
+          <p:style>
+            <a:lnRef idx="2">
+              <a:schemeClr val="accent1">
+                <a:shade val="50000"/>
+              </a:schemeClr>
+            </a:lnRef>
+            <a:fillRef idx="1">
+              <a:schemeClr val="accent1"/>
+            </a:fillRef>
+            <a:effectRef idx="0">
+              <a:schemeClr val="accent1"/>
+            </a:effectRef>
+            <a:fontRef idx="minor">
+              <a:schemeClr val="lt1"/>
+            </a:fontRef>
+          </p:style>
+          <p:txBody>
+            <a:bodyPr rtlCol="0" anchor="ctr"/>
+            <a:lstStyle/>
+            <a:p>
+              <a:pPr algn="ctr"/>
+              <a:r>
+                <a:rPr lang="en-US" altLang="zh-CN" dirty="0"/>
+                <a:t>Compile</a:t>
+              </a:r>
+              <a:endParaRPr lang="zh-CN" altLang="en-US" dirty="0"/>
+            </a:p>
+          </p:txBody>
+        </p:sp>
+        <p:sp>
+          <p:nvSpPr>
+            <p:cNvPr id="51" name="矩形: 圆角 50">
+              <a:extLst>
+                <a:ext uri="{FF2B5EF4-FFF2-40B4-BE49-F238E27FC236}">
+                  <a16:creationId xmlns:a16="http://schemas.microsoft.com/office/drawing/2014/main" id="{07DDE0A1-F6D3-4CD4-8AB3-3D2EC62B1AA2}"/>
+                </a:ext>
+              </a:extLst>
+            </p:cNvPr>
+            <p:cNvSpPr/>
+            <p:nvPr/>
+          </p:nvSpPr>
+          <p:spPr>
+            <a:xfrm>
+              <a:off x="8482846" y="2823949"/>
+              <a:ext cx="1277470" cy="874059"/>
+            </a:xfrm>
+            <a:prstGeom prst="roundRect">
+              <a:avLst/>
+            </a:prstGeom>
+          </p:spPr>
+          <p:style>
+            <a:lnRef idx="2">
+              <a:schemeClr val="accent1">
+                <a:shade val="50000"/>
+              </a:schemeClr>
+            </a:lnRef>
+            <a:fillRef idx="1">
+              <a:schemeClr val="accent1"/>
+            </a:fillRef>
+            <a:effectRef idx="0">
+              <a:schemeClr val="accent1"/>
+            </a:effectRef>
+            <a:fontRef idx="minor">
+              <a:schemeClr val="lt1"/>
+            </a:fontRef>
+          </p:style>
+          <p:txBody>
+            <a:bodyPr rtlCol="0" anchor="ctr"/>
+            <a:lstStyle/>
+            <a:p>
+              <a:pPr algn="ctr"/>
+              <a:r>
+                <a:rPr lang="en-US" altLang="zh-CN" dirty="0"/>
+                <a:t>Watcher</a:t>
+              </a:r>
+              <a:endParaRPr lang="zh-CN" altLang="en-US" dirty="0"/>
+            </a:p>
+          </p:txBody>
+        </p:sp>
+        <p:cxnSp>
+          <p:nvCxnSpPr>
+            <p:cNvPr id="52" name="连接符: 肘形 51">
+              <a:extLst>
+                <a:ext uri="{FF2B5EF4-FFF2-40B4-BE49-F238E27FC236}">
+                  <a16:creationId xmlns:a16="http://schemas.microsoft.com/office/drawing/2014/main" id="{B563F86E-93BF-4481-B8C8-DF8FCE34C307}"/>
+                </a:ext>
+              </a:extLst>
+            </p:cNvPr>
+            <p:cNvCxnSpPr>
+              <a:cxnSpLocks/>
+              <a:stCxn id="49" idx="0"/>
+              <a:endCxn id="46" idx="2"/>
+            </p:cNvCxnSpPr>
+            <p:nvPr/>
+          </p:nvCxnSpPr>
+          <p:spPr>
+            <a:xfrm rot="5400000" flipH="1" flipV="1">
+              <a:off x="5413556" y="953621"/>
+              <a:ext cx="569258" cy="1566583"/>
+            </a:xfrm>
+            <a:prstGeom prst="bentConnector2">
+              <a:avLst/>
+            </a:prstGeom>
+            <a:ln>
+              <a:tailEnd type="triangle"/>
+            </a:ln>
+          </p:spPr>
+          <p:style>
+            <a:lnRef idx="1">
+              <a:schemeClr val="accent1"/>
+            </a:lnRef>
+            <a:fillRef idx="0">
+              <a:schemeClr val="accent1"/>
+            </a:fillRef>
+            <a:effectRef idx="0">
+              <a:schemeClr val="accent1"/>
+            </a:effectRef>
+            <a:fontRef idx="minor">
+              <a:schemeClr val="tx1"/>
+            </a:fontRef>
+          </p:style>
+        </p:cxnSp>
+        <p:sp>
+          <p:nvSpPr>
+            <p:cNvPr id="53" name="文本框 52">
+              <a:extLst>
+                <a:ext uri="{FF2B5EF4-FFF2-40B4-BE49-F238E27FC236}">
+                  <a16:creationId xmlns:a16="http://schemas.microsoft.com/office/drawing/2014/main" id="{2C6C296D-F405-4DA3-96EB-071BD598EB17}"/>
+                </a:ext>
+              </a:extLst>
+            </p:cNvPr>
+            <p:cNvSpPr txBox="1"/>
+            <p:nvPr/>
+          </p:nvSpPr>
+          <p:spPr>
+            <a:xfrm>
+              <a:off x="5050751" y="1519980"/>
+              <a:ext cx="902811" cy="307777"/>
+            </a:xfrm>
+            <a:prstGeom prst="rect">
+              <a:avLst/>
+            </a:prstGeom>
+            <a:noFill/>
+          </p:spPr>
+          <p:txBody>
+            <a:bodyPr wrap="none" rtlCol="0">
+              <a:spAutoFit/>
+            </a:bodyPr>
+            <a:lstStyle/>
+            <a:p>
+              <a:r>
+                <a:rPr lang="zh-CN" altLang="en-US" sz="1400" dirty="0"/>
+                <a:t>通知变化</a:t>
+              </a:r>
+            </a:p>
+          </p:txBody>
+        </p:sp>
+        <p:cxnSp>
+          <p:nvCxnSpPr>
+            <p:cNvPr id="54" name="连接符: 肘形 53">
+              <a:extLst>
+                <a:ext uri="{FF2B5EF4-FFF2-40B4-BE49-F238E27FC236}">
+                  <a16:creationId xmlns:a16="http://schemas.microsoft.com/office/drawing/2014/main" id="{E3828086-4304-4B49-B109-1B72E9698261}"/>
+                </a:ext>
+              </a:extLst>
+            </p:cNvPr>
+            <p:cNvCxnSpPr>
+              <a:cxnSpLocks/>
+              <a:stCxn id="46" idx="6"/>
+              <a:endCxn id="51" idx="0"/>
+            </p:cNvCxnSpPr>
+            <p:nvPr/>
+          </p:nvCxnSpPr>
+          <p:spPr>
+            <a:xfrm>
+              <a:off x="7758948" y="1452283"/>
+              <a:ext cx="1362633" cy="1371666"/>
+            </a:xfrm>
+            <a:prstGeom prst="bentConnector2">
+              <a:avLst/>
+            </a:prstGeom>
+            <a:ln>
+              <a:tailEnd type="triangle"/>
+            </a:ln>
+          </p:spPr>
+          <p:style>
+            <a:lnRef idx="1">
+              <a:schemeClr val="accent1"/>
+            </a:lnRef>
+            <a:fillRef idx="0">
+              <a:schemeClr val="accent1"/>
+            </a:fillRef>
+            <a:effectRef idx="0">
+              <a:schemeClr val="accent1"/>
+            </a:effectRef>
+            <a:fontRef idx="minor">
+              <a:schemeClr val="tx1"/>
+            </a:fontRef>
+          </p:style>
+        </p:cxnSp>
+        <p:cxnSp>
+          <p:nvCxnSpPr>
+            <p:cNvPr id="55" name="连接符: 肘形 54">
+              <a:extLst>
+                <a:ext uri="{FF2B5EF4-FFF2-40B4-BE49-F238E27FC236}">
+                  <a16:creationId xmlns:a16="http://schemas.microsoft.com/office/drawing/2014/main" id="{0A48F714-BF02-436D-BAC4-472BB6B3861A}"/>
+                </a:ext>
+              </a:extLst>
+            </p:cNvPr>
+            <p:cNvCxnSpPr>
+              <a:cxnSpLocks/>
+              <a:stCxn id="51" idx="1"/>
+              <a:endCxn id="46" idx="4"/>
+            </p:cNvCxnSpPr>
+            <p:nvPr/>
+          </p:nvCxnSpPr>
+          <p:spPr>
+            <a:xfrm rot="10800000">
+              <a:off x="7120214" y="1828801"/>
+              <a:ext cx="1362633" cy="1432179"/>
+            </a:xfrm>
+            <a:prstGeom prst="bentConnector2">
+              <a:avLst/>
+            </a:prstGeom>
+            <a:ln>
+              <a:tailEnd type="triangle"/>
+            </a:ln>
+          </p:spPr>
+          <p:style>
+            <a:lnRef idx="1">
+              <a:schemeClr val="accent1"/>
+            </a:lnRef>
+            <a:fillRef idx="0">
+              <a:schemeClr val="accent1"/>
+            </a:fillRef>
+            <a:effectRef idx="0">
+              <a:schemeClr val="accent1"/>
+            </a:effectRef>
+            <a:fontRef idx="minor">
+              <a:schemeClr val="tx1"/>
+            </a:fontRef>
+          </p:style>
+        </p:cxnSp>
+        <p:cxnSp>
+          <p:nvCxnSpPr>
+            <p:cNvPr id="56" name="连接符: 肘形 55">
+              <a:extLst>
+                <a:ext uri="{FF2B5EF4-FFF2-40B4-BE49-F238E27FC236}">
+                  <a16:creationId xmlns:a16="http://schemas.microsoft.com/office/drawing/2014/main" id="{6495F467-42AC-4098-AC46-F610997B5125}"/>
+                </a:ext>
+              </a:extLst>
+            </p:cNvPr>
+            <p:cNvCxnSpPr>
+              <a:cxnSpLocks/>
+              <a:stCxn id="50" idx="3"/>
+            </p:cNvCxnSpPr>
+            <p:nvPr/>
+          </p:nvCxnSpPr>
+          <p:spPr>
+            <a:xfrm flipV="1">
+              <a:off x="5562296" y="3698008"/>
+              <a:ext cx="3188004" cy="217137"/>
+            </a:xfrm>
+            <a:prstGeom prst="bentConnector3">
+              <a:avLst>
+                <a:gd name="adj1" fmla="val 99955"/>
+              </a:avLst>
+            </a:prstGeom>
+            <a:ln>
+              <a:tailEnd type="triangle"/>
+            </a:ln>
+          </p:spPr>
+          <p:style>
+            <a:lnRef idx="1">
+              <a:schemeClr val="accent1"/>
+            </a:lnRef>
+            <a:fillRef idx="0">
+              <a:schemeClr val="accent1"/>
+            </a:fillRef>
+            <a:effectRef idx="0">
+              <a:schemeClr val="accent1"/>
+            </a:effectRef>
+            <a:fontRef idx="minor">
+              <a:schemeClr val="tx1"/>
+            </a:fontRef>
+          </p:style>
+        </p:cxnSp>
+        <p:cxnSp>
+          <p:nvCxnSpPr>
+            <p:cNvPr id="57" name="连接符: 肘形 56">
+              <a:extLst>
+                <a:ext uri="{FF2B5EF4-FFF2-40B4-BE49-F238E27FC236}">
+                  <a16:creationId xmlns:a16="http://schemas.microsoft.com/office/drawing/2014/main" id="{93B5223B-68F0-47C9-A5C2-E9D10F01D951}"/>
+                </a:ext>
+              </a:extLst>
+            </p:cNvPr>
+            <p:cNvCxnSpPr>
+              <a:cxnSpLocks/>
+              <a:stCxn id="51" idx="2"/>
+              <a:endCxn id="48" idx="6"/>
+            </p:cNvCxnSpPr>
+            <p:nvPr/>
+          </p:nvCxnSpPr>
+          <p:spPr>
+            <a:xfrm rot="5400000">
+              <a:off x="7849299" y="3607656"/>
+              <a:ext cx="1181930" cy="1362634"/>
+            </a:xfrm>
+            <a:prstGeom prst="bentConnector2">
+              <a:avLst/>
+            </a:prstGeom>
+            <a:ln>
+              <a:tailEnd type="triangle"/>
+            </a:ln>
+          </p:spPr>
+          <p:style>
+            <a:lnRef idx="1">
+              <a:schemeClr val="accent1"/>
+            </a:lnRef>
+            <a:fillRef idx="0">
+              <a:schemeClr val="accent1"/>
+            </a:fillRef>
+            <a:effectRef idx="0">
+              <a:schemeClr val="accent1"/>
+            </a:effectRef>
+            <a:fontRef idx="minor">
+              <a:schemeClr val="tx1"/>
+            </a:fontRef>
+          </p:style>
+        </p:cxnSp>
+        <p:cxnSp>
+          <p:nvCxnSpPr>
+            <p:cNvPr id="58" name="连接符: 肘形 57">
+              <a:extLst>
+                <a:ext uri="{FF2B5EF4-FFF2-40B4-BE49-F238E27FC236}">
+                  <a16:creationId xmlns:a16="http://schemas.microsoft.com/office/drawing/2014/main" id="{BE570934-471C-426A-9948-158AC60B9361}"/>
+                </a:ext>
+              </a:extLst>
+            </p:cNvPr>
+            <p:cNvCxnSpPr>
+              <a:cxnSpLocks/>
+              <a:endCxn id="48" idx="2"/>
+            </p:cNvCxnSpPr>
+            <p:nvPr/>
+          </p:nvCxnSpPr>
+          <p:spPr>
+            <a:xfrm>
+              <a:off x="5144173" y="4100712"/>
+              <a:ext cx="1337303" cy="779226"/>
+            </a:xfrm>
+            <a:prstGeom prst="bentConnector3">
+              <a:avLst>
+                <a:gd name="adj1" fmla="val -1852"/>
+              </a:avLst>
+            </a:prstGeom>
+            <a:ln>
+              <a:tailEnd type="triangle"/>
+            </a:ln>
+          </p:spPr>
+          <p:style>
+            <a:lnRef idx="1">
+              <a:schemeClr val="accent1"/>
+            </a:lnRef>
+            <a:fillRef idx="0">
+              <a:schemeClr val="accent1"/>
+            </a:fillRef>
+            <a:effectRef idx="0">
+              <a:schemeClr val="accent1"/>
+            </a:effectRef>
+            <a:fontRef idx="minor">
+              <a:schemeClr val="tx1"/>
+            </a:fontRef>
+          </p:style>
+        </p:cxnSp>
+        <p:sp>
+          <p:nvSpPr>
+            <p:cNvPr id="59" name="文本框 58">
+              <a:extLst>
+                <a:ext uri="{FF2B5EF4-FFF2-40B4-BE49-F238E27FC236}">
+                  <a16:creationId xmlns:a16="http://schemas.microsoft.com/office/drawing/2014/main" id="{38FAB552-C38D-476F-8469-5F836CE59880}"/>
+                </a:ext>
+              </a:extLst>
+            </p:cNvPr>
+            <p:cNvSpPr txBox="1"/>
+            <p:nvPr/>
+          </p:nvSpPr>
+          <p:spPr>
+            <a:xfrm>
+              <a:off x="7956210" y="1472061"/>
+              <a:ext cx="902811" cy="307777"/>
+            </a:xfrm>
+            <a:prstGeom prst="rect">
+              <a:avLst/>
+            </a:prstGeom>
+            <a:noFill/>
+          </p:spPr>
+          <p:txBody>
+            <a:bodyPr wrap="none" rtlCol="0">
+              <a:spAutoFit/>
+            </a:bodyPr>
+            <a:lstStyle/>
+            <a:p>
+              <a:r>
+                <a:rPr lang="zh-CN" altLang="en-US" sz="1400" dirty="0"/>
+                <a:t>通知变化</a:t>
+              </a:r>
+            </a:p>
+          </p:txBody>
+        </p:sp>
+        <p:sp>
+          <p:nvSpPr>
+            <p:cNvPr id="60" name="文本框 59">
+              <a:extLst>
+                <a:ext uri="{FF2B5EF4-FFF2-40B4-BE49-F238E27FC236}">
+                  <a16:creationId xmlns:a16="http://schemas.microsoft.com/office/drawing/2014/main" id="{3EB694AB-3316-4562-8770-090DF368F25B}"/>
+                </a:ext>
+              </a:extLst>
+            </p:cNvPr>
+            <p:cNvSpPr txBox="1"/>
+            <p:nvPr/>
+          </p:nvSpPr>
+          <p:spPr>
+            <a:xfrm>
+              <a:off x="7331865" y="2895341"/>
+              <a:ext cx="1082348" cy="307777"/>
+            </a:xfrm>
+            <a:prstGeom prst="rect">
+              <a:avLst/>
+            </a:prstGeom>
+            <a:noFill/>
+          </p:spPr>
+          <p:txBody>
+            <a:bodyPr wrap="none" rtlCol="0">
+              <a:spAutoFit/>
+            </a:bodyPr>
+            <a:lstStyle/>
+            <a:p>
+              <a:r>
+                <a:rPr lang="zh-CN" altLang="en-US" sz="1400" dirty="0"/>
+                <a:t>添加订阅者</a:t>
+              </a:r>
+            </a:p>
+          </p:txBody>
+        </p:sp>
+        <p:sp>
+          <p:nvSpPr>
+            <p:cNvPr id="61" name="文本框 60">
+              <a:extLst>
+                <a:ext uri="{FF2B5EF4-FFF2-40B4-BE49-F238E27FC236}">
+                  <a16:creationId xmlns:a16="http://schemas.microsoft.com/office/drawing/2014/main" id="{48CD286D-D5FF-4A78-811D-D999DB546954}"/>
+                </a:ext>
+              </a:extLst>
+            </p:cNvPr>
+            <p:cNvSpPr txBox="1"/>
+            <p:nvPr/>
+          </p:nvSpPr>
+          <p:spPr>
+            <a:xfrm>
+              <a:off x="4100106" y="2930017"/>
+              <a:ext cx="1800493" cy="307777"/>
+            </a:xfrm>
+            <a:prstGeom prst="rect">
+              <a:avLst/>
+            </a:prstGeom>
+            <a:noFill/>
+          </p:spPr>
+          <p:txBody>
+            <a:bodyPr wrap="none" rtlCol="0">
+              <a:spAutoFit/>
+            </a:bodyPr>
+            <a:lstStyle/>
+            <a:p>
+              <a:r>
+                <a:rPr lang="zh-CN" altLang="en-US" sz="1400" dirty="0"/>
+                <a:t>劫持并监听所有属性</a:t>
+              </a:r>
+            </a:p>
+          </p:txBody>
+        </p:sp>
+        <p:sp>
+          <p:nvSpPr>
+            <p:cNvPr id="62" name="文本框 61">
+              <a:extLst>
+                <a:ext uri="{FF2B5EF4-FFF2-40B4-BE49-F238E27FC236}">
+                  <a16:creationId xmlns:a16="http://schemas.microsoft.com/office/drawing/2014/main" id="{2A78D3F8-5944-4874-A09F-194E0C1138FE}"/>
+                </a:ext>
+              </a:extLst>
+            </p:cNvPr>
+            <p:cNvSpPr txBox="1"/>
+            <p:nvPr/>
+          </p:nvSpPr>
+          <p:spPr>
+            <a:xfrm>
+              <a:off x="6336870" y="3637499"/>
+              <a:ext cx="1261884" cy="307777"/>
+            </a:xfrm>
+            <a:prstGeom prst="rect">
+              <a:avLst/>
+            </a:prstGeom>
+            <a:noFill/>
+          </p:spPr>
+          <p:txBody>
+            <a:bodyPr wrap="none" rtlCol="0">
+              <a:spAutoFit/>
+            </a:bodyPr>
+            <a:lstStyle/>
+            <a:p>
+              <a:r>
+                <a:rPr lang="zh-CN" altLang="en-US" sz="1400" dirty="0"/>
+                <a:t>绑定更新函数</a:t>
+              </a:r>
+            </a:p>
+          </p:txBody>
+        </p:sp>
+        <p:sp>
+          <p:nvSpPr>
+            <p:cNvPr id="63" name="文本框 62">
+              <a:extLst>
+                <a:ext uri="{FF2B5EF4-FFF2-40B4-BE49-F238E27FC236}">
+                  <a16:creationId xmlns:a16="http://schemas.microsoft.com/office/drawing/2014/main" id="{37727AC2-EE4C-4A5A-BEE7-1AC39CCA29C1}"/>
+                </a:ext>
+              </a:extLst>
+            </p:cNvPr>
+            <p:cNvSpPr txBox="1"/>
+            <p:nvPr/>
+          </p:nvSpPr>
+          <p:spPr>
+            <a:xfrm>
+              <a:off x="4241362" y="4416323"/>
+              <a:ext cx="902811" cy="307777"/>
+            </a:xfrm>
+            <a:prstGeom prst="rect">
+              <a:avLst/>
+            </a:prstGeom>
+            <a:noFill/>
+          </p:spPr>
+          <p:txBody>
+            <a:bodyPr wrap="none" rtlCol="0">
+              <a:spAutoFit/>
+            </a:bodyPr>
+            <a:lstStyle/>
+            <a:p>
+              <a:r>
+                <a:rPr lang="zh-CN" altLang="en-US" sz="1400" dirty="0"/>
+                <a:t>编译解析</a:t>
+              </a:r>
+            </a:p>
+          </p:txBody>
+        </p:sp>
+        <p:sp>
+          <p:nvSpPr>
+            <p:cNvPr id="64" name="文本框 63">
+              <a:extLst>
+                <a:ext uri="{FF2B5EF4-FFF2-40B4-BE49-F238E27FC236}">
+                  <a16:creationId xmlns:a16="http://schemas.microsoft.com/office/drawing/2014/main" id="{0AAC340F-91FD-4658-B38F-81ECB32EC075}"/>
+                </a:ext>
+              </a:extLst>
+            </p:cNvPr>
+            <p:cNvSpPr txBox="1"/>
+            <p:nvPr/>
+          </p:nvSpPr>
+          <p:spPr>
+            <a:xfrm>
+              <a:off x="5458970" y="4870522"/>
+              <a:ext cx="723275" cy="307777"/>
+            </a:xfrm>
+            <a:prstGeom prst="rect">
+              <a:avLst/>
+            </a:prstGeom>
+            <a:noFill/>
+          </p:spPr>
+          <p:txBody>
+            <a:bodyPr wrap="none" rtlCol="0">
+              <a:spAutoFit/>
+            </a:bodyPr>
+            <a:lstStyle/>
+            <a:p>
+              <a:r>
+                <a:rPr lang="zh-CN" altLang="en-US" sz="1400" dirty="0"/>
+                <a:t>初始化</a:t>
+              </a:r>
+              <a:endParaRPr lang="zh-CN" altLang="en-US" dirty="0"/>
+            </a:p>
+          </p:txBody>
+        </p:sp>
+        <p:sp>
+          <p:nvSpPr>
+            <p:cNvPr id="65" name="文本框 64">
+              <a:extLst>
+                <a:ext uri="{FF2B5EF4-FFF2-40B4-BE49-F238E27FC236}">
+                  <a16:creationId xmlns:a16="http://schemas.microsoft.com/office/drawing/2014/main" id="{4850DE48-0D1B-4C4E-AB5D-6CB85A653976}"/>
+                </a:ext>
+              </a:extLst>
+            </p:cNvPr>
+            <p:cNvSpPr txBox="1"/>
+            <p:nvPr/>
+          </p:nvSpPr>
+          <p:spPr>
+            <a:xfrm>
+              <a:off x="8058178" y="4870521"/>
+              <a:ext cx="543739" cy="307777"/>
+            </a:xfrm>
+            <a:prstGeom prst="rect">
+              <a:avLst/>
+            </a:prstGeom>
+            <a:noFill/>
+          </p:spPr>
+          <p:txBody>
+            <a:bodyPr wrap="none" rtlCol="0">
+              <a:spAutoFit/>
+            </a:bodyPr>
+            <a:lstStyle/>
+            <a:p>
+              <a:r>
+                <a:rPr lang="zh-CN" altLang="en-US" sz="1400" dirty="0"/>
+                <a:t>更新</a:t>
+              </a:r>
+            </a:p>
+          </p:txBody>
+        </p:sp>
+      </p:grpSp>
     </p:spTree>
     <p:extLst>
       <p:ext uri="{BB962C8B-B14F-4D97-AF65-F5344CB8AC3E}">
@@ -19704,6 +21654,9 @@
                     <p:cTn id="3" fill="hold">
                       <p:stCondLst>
                         <p:cond delay="indefinite"/>
+                        <p:cond evt="onBegin" delay="0">
+                          <p:tn val="2"/>
+                        </p:cond>
                       </p:stCondLst>
                       <p:childTnLst>
                         <p:par>
@@ -19713,42 +21666,42 @@
                             </p:stCondLst>
                             <p:childTnLst>
                               <p:par>
-                                <p:cTn id="5" presetID="10" presetClass="exit" presetSubtype="0" fill="hold" nodeType="clickEffect">
+                                <p:cTn id="5" presetID="14" presetClass="entr" presetSubtype="10" fill="hold" nodeType="withEffect">
                                   <p:stCondLst>
                                     <p:cond delay="0"/>
                                   </p:stCondLst>
                                   <p:childTnLst>
-                                    <p:animEffect transition="out" filter="fade">
-                                      <p:cBhvr>
-                                        <p:cTn id="6" dur="500"/>
-                                        <p:tgtEl>
-                                          <p:spTgt spid="16"/>
-                                        </p:tgtEl>
-                                      </p:cBhvr>
-                                    </p:animEffect>
                                     <p:set>
                                       <p:cBhvr>
-                                        <p:cTn id="7" dur="1" fill="hold">
+                                        <p:cTn id="6" dur="1" fill="hold">
                                           <p:stCondLst>
-                                            <p:cond delay="499"/>
+                                            <p:cond delay="0"/>
                                           </p:stCondLst>
                                         </p:cTn>
                                         <p:tgtEl>
-                                          <p:spTgt spid="16"/>
+                                          <p:spTgt spid="45"/>
                                         </p:tgtEl>
                                         <p:attrNameLst>
                                           <p:attrName>style.visibility</p:attrName>
                                         </p:attrNameLst>
                                       </p:cBhvr>
                                       <p:to>
-                                        <p:strVal val="hidden"/>
+                                        <p:strVal val="visible"/>
                                       </p:to>
                                     </p:set>
+                                    <p:animEffect transition="in" filter="randombar(horizontal)">
+                                      <p:cBhvr>
+                                        <p:cTn id="7" dur="500"/>
+                                        <p:tgtEl>
+                                          <p:spTgt spid="45"/>
+                                        </p:tgtEl>
+                                      </p:cBhvr>
+                                    </p:animEffect>
                                   </p:childTnLst>
                                 </p:cTn>
                               </p:par>
                               <p:par>
-                                <p:cTn id="8" presetID="10" presetClass="entr" presetSubtype="0" fill="hold" nodeType="withEffect">
+                                <p:cTn id="8" presetID="14" presetClass="entr" presetSubtype="10" fill="hold" grpId="0" nodeType="withEffect">
                                   <p:stCondLst>
                                     <p:cond delay="0"/>
                                   </p:stCondLst>
@@ -19761,7 +21714,7 @@
                                           </p:stCondLst>
                                         </p:cTn>
                                         <p:tgtEl>
-                                          <p:spTgt spid="12"/>
+                                          <p:spTgt spid="7"/>
                                         </p:tgtEl>
                                         <p:attrNameLst>
                                           <p:attrName>style.visibility</p:attrName>
@@ -19771,11 +21724,11 @@
                                         <p:strVal val="visible"/>
                                       </p:to>
                                     </p:set>
-                                    <p:animEffect transition="in" filter="fade">
+                                    <p:animEffect transition="in" filter="randombar(horizontal)">
                                       <p:cBhvr>
                                         <p:cTn id="10" dur="500"/>
                                         <p:tgtEl>
-                                          <p:spTgt spid="12"/>
+                                          <p:spTgt spid="7"/>
                                         </p:tgtEl>
                                       </p:cBhvr>
                                     </p:animEffect>
@@ -19783,24 +21736,16 @@
                                 </p:cTn>
                               </p:par>
                               <p:par>
-                                <p:cTn id="11" presetID="22" presetClass="exit" presetSubtype="4" fill="hold" grpId="0" nodeType="withEffect">
+                                <p:cTn id="11" presetID="14" presetClass="entr" presetSubtype="10" fill="hold" grpId="0" nodeType="withEffect">
                                   <p:stCondLst>
                                     <p:cond delay="0"/>
                                   </p:stCondLst>
                                   <p:childTnLst>
-                                    <p:animEffect transition="out" filter="wipe(down)">
-                                      <p:cBhvr>
-                                        <p:cTn id="12" dur="500"/>
-                                        <p:tgtEl>
-                                          <p:spTgt spid="11"/>
-                                        </p:tgtEl>
-                                      </p:cBhvr>
-                                    </p:animEffect>
                                     <p:set>
                                       <p:cBhvr>
-                                        <p:cTn id="13" dur="1" fill="hold">
+                                        <p:cTn id="12" dur="1" fill="hold">
                                           <p:stCondLst>
-                                            <p:cond delay="499"/>
+                                            <p:cond delay="0"/>
                                           </p:stCondLst>
                                         </p:cTn>
                                         <p:tgtEl>
@@ -19811,62 +21756,35 @@
                                         </p:attrNameLst>
                                       </p:cBhvr>
                                       <p:to>
-                                        <p:strVal val="hidden"/>
+                                        <p:strVal val="visible"/>
                                       </p:to>
                                     </p:set>
+                                    <p:animEffect transition="in" filter="randombar(horizontal)">
+                                      <p:cBhvr>
+                                        <p:cTn id="13" dur="500"/>
+                                        <p:tgtEl>
+                                          <p:spTgt spid="11"/>
+                                        </p:tgtEl>
+                                      </p:cBhvr>
+                                    </p:animEffect>
                                   </p:childTnLst>
                                 </p:cTn>
                               </p:par>
                               <p:par>
-                                <p:cTn id="14" presetID="22" presetClass="exit" presetSubtype="4" fill="hold" grpId="0" nodeType="withEffect">
-                                  <p:stCondLst>
-                                    <p:cond delay="0"/>
-                                  </p:stCondLst>
-                                  <p:childTnLst>
-                                    <p:animEffect transition="out" filter="wipe(down)">
-                                      <p:cBhvr>
-                                        <p:cTn id="15" dur="500"/>
-                                        <p:tgtEl>
-                                          <p:spTgt spid="7"/>
-                                        </p:tgtEl>
-                                      </p:cBhvr>
-                                    </p:animEffect>
-                                    <p:set>
-                                      <p:cBhvr>
-                                        <p:cTn id="16" dur="1" fill="hold">
-                                          <p:stCondLst>
-                                            <p:cond delay="499"/>
-                                          </p:stCondLst>
-                                        </p:cTn>
-                                        <p:tgtEl>
-                                          <p:spTgt spid="7"/>
-                                        </p:tgtEl>
-                                        <p:attrNameLst>
-                                          <p:attrName>style.visibility</p:attrName>
-                                        </p:attrNameLst>
-                                      </p:cBhvr>
-                                      <p:to>
-                                        <p:strVal val="hidden"/>
-                                      </p:to>
-                                    </p:set>
-                                  </p:childTnLst>
-                                </p:cTn>
-                              </p:par>
-                              <p:par>
-                                <p:cTn id="17" presetID="10" presetClass="entr" presetSubtype="0" fill="hold" grpId="0" nodeType="withEffect">
+                                <p:cTn id="14" presetID="6" presetClass="entr" presetSubtype="16" fill="hold" grpId="0" nodeType="withEffect">
                                   <p:stCondLst>
                                     <p:cond delay="0"/>
                                   </p:stCondLst>
                                   <p:childTnLst>
                                     <p:set>
                                       <p:cBhvr>
-                                        <p:cTn id="18" dur="1" fill="hold">
+                                        <p:cTn id="15" dur="1" fill="hold">
                                           <p:stCondLst>
                                             <p:cond delay="0"/>
                                           </p:stCondLst>
                                         </p:cTn>
                                         <p:tgtEl>
-                                          <p:spTgt spid="21"/>
+                                          <p:spTgt spid="22"/>
                                         </p:tgtEl>
                                         <p:attrNameLst>
                                           <p:attrName>style.visibility</p:attrName>
@@ -19876,11 +21794,11 @@
                                         <p:strVal val="visible"/>
                                       </p:to>
                                     </p:set>
-                                    <p:animEffect transition="in" filter="fade">
+                                    <p:animEffect transition="in" filter="circle(in)">
                                       <p:cBhvr>
-                                        <p:cTn id="19" dur="500"/>
+                                        <p:cTn id="16" dur="2000"/>
                                         <p:tgtEl>
-                                          <p:spTgt spid="21"/>
+                                          <p:spTgt spid="22"/>
                                         </p:tgtEl>
                                       </p:cBhvr>
                                     </p:animEffect>
@@ -19917,7 +21835,7 @@
     <p:bldLst>
       <p:bldP spid="11" grpId="0"/>
       <p:bldP spid="7" grpId="0" animBg="1"/>
-      <p:bldP spid="21" grpId="0"/>
+      <p:bldP spid="22" grpId="0"/>
     </p:bldLst>
   </p:timing>
 </p:sld>
@@ -20203,8 +22121,8 @@
         </p:nvSpPr>
         <p:spPr>
           <a:xfrm>
-            <a:off x="5392150" y="1496642"/>
-            <a:ext cx="6097656" cy="1015663"/>
+            <a:off x="5392150" y="1498798"/>
+            <a:ext cx="6097656" cy="1422441"/>
           </a:xfrm>
           <a:prstGeom prst="rect">
             <a:avLst/>
@@ -20217,6 +22135,11 @@
           </a:bodyPr>
           <a:lstStyle/>
           <a:p>
+            <a:pPr>
+              <a:lnSpc>
+                <a:spcPct val="150000"/>
+              </a:lnSpc>
+            </a:pPr>
             <a:r>
               <a:rPr lang="zh-CN" altLang="en-US" sz="2000" b="0" i="0" dirty="0">
                 <a:solidFill>
@@ -20231,6 +22154,97 @@
               <a:t>访问 </a:t>
             </a:r>
             <a:r>
+              <a:rPr lang="en-US" altLang="zh-CN" sz="2000" b="1" i="0" dirty="0">
+                <a:solidFill>
+                  <a:schemeClr val="tx1">
+                    <a:lumMod val="85000"/>
+                    <a:lumOff val="15000"/>
+                  </a:schemeClr>
+                </a:solidFill>
+                <a:effectLst/>
+                <a:latin typeface="-apple-system"/>
+              </a:rPr>
+              <a:t>age</a:t>
+            </a:r>
+            <a:r>
+              <a:rPr lang="en-US" altLang="zh-CN" sz="2000" b="0" i="0" dirty="0">
+                <a:solidFill>
+                  <a:schemeClr val="tx1">
+                    <a:lumMod val="85000"/>
+                    <a:lumOff val="15000"/>
+                  </a:schemeClr>
+                </a:solidFill>
+                <a:effectLst/>
+                <a:latin typeface="-apple-system"/>
+              </a:rPr>
+              <a:t> </a:t>
+            </a:r>
+            <a:r>
+              <a:rPr lang="zh-CN" altLang="en-US" sz="2000" b="0" i="0" dirty="0">
+                <a:solidFill>
+                  <a:schemeClr val="tx1">
+                    <a:lumMod val="85000"/>
+                    <a:lumOff val="15000"/>
+                  </a:schemeClr>
+                </a:solidFill>
+                <a:effectLst/>
+                <a:latin typeface="-apple-system"/>
+              </a:rPr>
+              <a:t>属性时会</a:t>
+            </a:r>
+            <a:r>
+              <a:rPr lang="zh-CN" altLang="en-US" sz="2000" b="1" i="0" dirty="0">
+                <a:solidFill>
+                  <a:schemeClr val="tx1">
+                    <a:lumMod val="85000"/>
+                    <a:lumOff val="15000"/>
+                  </a:schemeClr>
+                </a:solidFill>
+                <a:effectLst/>
+                <a:latin typeface="-apple-system"/>
+              </a:rPr>
+              <a:t>自动执行 </a:t>
+            </a:r>
+            <a:r>
+              <a:rPr lang="en-US" altLang="zh-CN" sz="2000" b="1" i="0" dirty="0">
+                <a:solidFill>
+                  <a:schemeClr val="tx1">
+                    <a:lumMod val="85000"/>
+                    <a:lumOff val="15000"/>
+                  </a:schemeClr>
+                </a:solidFill>
+                <a:effectLst/>
+                <a:latin typeface="-apple-system"/>
+              </a:rPr>
+              <a:t>get </a:t>
+            </a:r>
+            <a:r>
+              <a:rPr lang="zh-CN" altLang="en-US" sz="2000" b="1" i="0" dirty="0">
+                <a:solidFill>
+                  <a:schemeClr val="tx1">
+                    <a:lumMod val="85000"/>
+                    <a:lumOff val="15000"/>
+                  </a:schemeClr>
+                </a:solidFill>
+                <a:effectLst/>
+                <a:latin typeface="-apple-system"/>
+              </a:rPr>
+              <a:t>函数</a:t>
+            </a:r>
+            <a:r>
+              <a:rPr lang="zh-CN" altLang="en-US" sz="2000" b="0" i="0" dirty="0">
+                <a:solidFill>
+                  <a:schemeClr val="tx1">
+                    <a:lumMod val="85000"/>
+                    <a:lumOff val="15000"/>
+                  </a:schemeClr>
+                </a:solidFill>
+                <a:effectLst/>
+                <a:latin typeface="-apple-system"/>
+              </a:rPr>
+              <a:t>，设置 </a:t>
+            </a:r>
+            <a:r>
               <a:rPr lang="en-US" altLang="zh-CN" sz="2000" b="0" i="0" dirty="0">
                 <a:solidFill>
                   <a:schemeClr val="tx1">
@@ -20254,58 +22268,6 @@
                 <a:effectLst/>
                 <a:latin typeface="-apple-system"/>
               </a:rPr>
-              <a:t>属性时会自动执行 </a:t>
-            </a:r>
-            <a:r>
-              <a:rPr lang="en-US" altLang="zh-CN" sz="2000" b="0" i="0" dirty="0">
-                <a:solidFill>
-                  <a:schemeClr val="tx1">
-                    <a:lumMod val="85000"/>
-                    <a:lumOff val="15000"/>
-                  </a:schemeClr>
-                </a:solidFill>
-                <a:effectLst/>
-                <a:latin typeface="-apple-system"/>
-              </a:rPr>
-              <a:t>get </a:t>
-            </a:r>
-            <a:r>
-              <a:rPr lang="zh-CN" altLang="en-US" sz="2000" b="0" i="0" dirty="0">
-                <a:solidFill>
-                  <a:schemeClr val="tx1">
-                    <a:lumMod val="85000"/>
-                    <a:lumOff val="15000"/>
-                  </a:schemeClr>
-                </a:solidFill>
-                <a:effectLst/>
-                <a:latin typeface="-apple-system"/>
-              </a:rPr>
-              <a:t>函数，设置 </a:t>
-            </a:r>
-            <a:r>
-              <a:rPr lang="en-US" altLang="zh-CN" sz="2000" b="0" i="0" dirty="0">
-                <a:solidFill>
-                  <a:schemeClr val="tx1">
-                    <a:lumMod val="85000"/>
-                    <a:lumOff val="15000"/>
-                  </a:schemeClr>
-                </a:solidFill>
-                <a:effectLst/>
-                <a:latin typeface="-apple-system"/>
-              </a:rPr>
-              <a:t>age </a:t>
-            </a:r>
-            <a:r>
-              <a:rPr lang="zh-CN" altLang="en-US" sz="2000" b="0" i="0" dirty="0">
-                <a:solidFill>
-                  <a:schemeClr val="tx1">
-                    <a:lumMod val="85000"/>
-                    <a:lumOff val="15000"/>
-                  </a:schemeClr>
-                </a:solidFill>
-                <a:effectLst/>
-                <a:latin typeface="-apple-system"/>
-              </a:rPr>
               <a:t>属性时，会自动执行 </a:t>
             </a:r>
             <a:r>
@@ -20332,7 +22294,33 @@
                 <a:effectLst/>
                 <a:latin typeface="-apple-system"/>
               </a:rPr>
-              <a:t>函数，这就给我们的双向绑定提供了非常大的方便</a:t>
+              <a:t>函数，这就给我们的</a:t>
+            </a:r>
+            <a:r>
+              <a:rPr lang="zh-CN" altLang="en-US" sz="2000" b="1" i="0" dirty="0">
+                <a:solidFill>
+                  <a:schemeClr val="tx1">
+                    <a:lumMod val="85000"/>
+                    <a:lumOff val="15000"/>
+                  </a:schemeClr>
+                </a:solidFill>
+                <a:effectLst/>
+                <a:latin typeface="-apple-system"/>
+              </a:rPr>
+              <a:t>双向绑定</a:t>
+            </a:r>
+            <a:r>
+              <a:rPr lang="zh-CN" altLang="en-US" sz="2000" b="0" i="0" dirty="0">
+                <a:solidFill>
+                  <a:schemeClr val="tx1">
+                    <a:lumMod val="85000"/>
+                    <a:lumOff val="15000"/>
+                  </a:schemeClr>
+                </a:solidFill>
+                <a:effectLst/>
+                <a:latin typeface="-apple-system"/>
+              </a:rPr>
+              <a:t>提供了非常大的方便</a:t>
             </a:r>
             <a:endParaRPr lang="zh-CN" altLang="en-US" sz="2000" dirty="0">
               <a:solidFill>
@@ -20345,36 +22333,357 @@
           </a:p>
         </p:txBody>
       </p:sp>
-      <p:pic>
-        <p:nvPicPr>
-          <p:cNvPr id="15" name="图片 14">
+      <p:grpSp>
+        <p:nvGrpSpPr>
+          <p:cNvPr id="13" name="组合 12">
             <a:extLst>
               <a:ext uri="{FF2B5EF4-FFF2-40B4-BE49-F238E27FC236}">
-                <a16:creationId xmlns:a16="http://schemas.microsoft.com/office/drawing/2014/main" id="{B200F569-BE75-4F3B-87B3-A23F863D2D6A}"/>
+                <a16:creationId xmlns:a16="http://schemas.microsoft.com/office/drawing/2014/main" id="{A32AF7E2-9AAA-4887-AF8A-7547E00FA3A5}"/>
               </a:ext>
             </a:extLst>
           </p:cNvPr>
-          <p:cNvPicPr>
-            <a:picLocks noChangeAspect="1"/>
-          </p:cNvPicPr>
+          <p:cNvGrpSpPr/>
           <p:nvPr/>
-        </p:nvPicPr>
-        <p:blipFill>
-          <a:blip r:embed="rId6"/>
-          <a:stretch>
-            <a:fillRect/>
-          </a:stretch>
-        </p:blipFill>
-        <p:spPr>
+        </p:nvGrpSpPr>
+        <p:grpSpPr>
           <a:xfrm>
-            <a:off x="5111405" y="3429000"/>
-            <a:ext cx="7080595" cy="1724502"/>
+            <a:off x="4056530" y="4790371"/>
+            <a:ext cx="7814383" cy="1093794"/>
+            <a:chOff x="2577355" y="1556299"/>
+            <a:chExt cx="7584138" cy="998642"/>
           </a:xfrm>
-          <a:prstGeom prst="rect">
-            <a:avLst/>
-          </a:prstGeom>
-        </p:spPr>
-      </p:pic>
+        </p:grpSpPr>
+        <p:sp>
+          <p:nvSpPr>
+            <p:cNvPr id="14" name="矩形: 圆角 13">
+              <a:extLst>
+                <a:ext uri="{FF2B5EF4-FFF2-40B4-BE49-F238E27FC236}">
+                  <a16:creationId xmlns:a16="http://schemas.microsoft.com/office/drawing/2014/main" id="{4D60ED78-0A8A-49E4-8DC4-0B731CA15B4E}"/>
+                </a:ext>
+              </a:extLst>
+            </p:cNvPr>
+            <p:cNvSpPr/>
+            <p:nvPr/>
+          </p:nvSpPr>
+          <p:spPr>
+            <a:xfrm>
+              <a:off x="2577355" y="1556299"/>
+              <a:ext cx="1389528" cy="998641"/>
+            </a:xfrm>
+            <a:prstGeom prst="roundRect">
+              <a:avLst/>
+            </a:prstGeom>
+            <a:solidFill>
+              <a:srgbClr val="00B050"/>
+            </a:solidFill>
+          </p:spPr>
+          <p:style>
+            <a:lnRef idx="2">
+              <a:schemeClr val="accent1">
+                <a:shade val="50000"/>
+              </a:schemeClr>
+            </a:lnRef>
+            <a:fillRef idx="1">
+              <a:schemeClr val="accent1"/>
+            </a:fillRef>
+            <a:effectRef idx="0">
+              <a:schemeClr val="accent1"/>
+            </a:effectRef>
+            <a:fontRef idx="minor">
+              <a:schemeClr val="lt1"/>
+            </a:fontRef>
+          </p:style>
+          <p:txBody>
+            <a:bodyPr rtlCol="0" anchor="ctr"/>
+            <a:lstStyle/>
+            <a:p>
+              <a:pPr algn="ctr"/>
+              <a:r>
+                <a:rPr lang="zh-CN" altLang="en-US" dirty="0"/>
+                <a:t>数据变化</a:t>
+              </a:r>
+            </a:p>
+          </p:txBody>
+        </p:sp>
+        <p:sp>
+          <p:nvSpPr>
+            <p:cNvPr id="16" name="矩形: 圆角 15">
+              <a:extLst>
+                <a:ext uri="{FF2B5EF4-FFF2-40B4-BE49-F238E27FC236}">
+                  <a16:creationId xmlns:a16="http://schemas.microsoft.com/office/drawing/2014/main" id="{770393DF-0078-4EF7-BC06-42565BFE6F34}"/>
+                </a:ext>
+              </a:extLst>
+            </p:cNvPr>
+            <p:cNvSpPr/>
+            <p:nvPr/>
+          </p:nvSpPr>
+          <p:spPr>
+            <a:xfrm>
+              <a:off x="5006789" y="1556299"/>
+              <a:ext cx="2725270" cy="998642"/>
+            </a:xfrm>
+            <a:prstGeom prst="roundRect">
+              <a:avLst/>
+            </a:prstGeom>
+            <a:solidFill>
+              <a:srgbClr val="00B050"/>
+            </a:solidFill>
+          </p:spPr>
+          <p:style>
+            <a:lnRef idx="2">
+              <a:schemeClr val="accent1">
+                <a:shade val="50000"/>
+              </a:schemeClr>
+            </a:lnRef>
+            <a:fillRef idx="1">
+              <a:schemeClr val="accent1"/>
+            </a:fillRef>
+            <a:effectRef idx="0">
+              <a:schemeClr val="accent1"/>
+            </a:effectRef>
+            <a:fontRef idx="minor">
+              <a:schemeClr val="lt1"/>
+            </a:fontRef>
+          </p:style>
+          <p:txBody>
+            <a:bodyPr rtlCol="0" anchor="ctr"/>
+            <a:lstStyle/>
+            <a:p>
+              <a:pPr algn="ctr"/>
+              <a:r>
+                <a:rPr lang="zh-CN" altLang="en-US" b="1" dirty="0"/>
+                <a:t>Object.defineProperty</a:t>
+              </a:r>
+              <a:endParaRPr lang="zh-CN" altLang="en-US" dirty="0"/>
+            </a:p>
+          </p:txBody>
+        </p:sp>
+        <p:sp>
+          <p:nvSpPr>
+            <p:cNvPr id="18" name="矩形: 圆角 17">
+              <a:extLst>
+                <a:ext uri="{FF2B5EF4-FFF2-40B4-BE49-F238E27FC236}">
+                  <a16:creationId xmlns:a16="http://schemas.microsoft.com/office/drawing/2014/main" id="{5FCC412B-AD5F-4A35-A550-383EB21E28A9}"/>
+                </a:ext>
+              </a:extLst>
+            </p:cNvPr>
+            <p:cNvSpPr/>
+            <p:nvPr/>
+          </p:nvSpPr>
+          <p:spPr>
+            <a:xfrm>
+              <a:off x="8771965" y="1556299"/>
+              <a:ext cx="1389528" cy="998641"/>
+            </a:xfrm>
+            <a:prstGeom prst="roundRect">
+              <a:avLst/>
+            </a:prstGeom>
+            <a:solidFill>
+              <a:srgbClr val="00B050"/>
+            </a:solidFill>
+          </p:spPr>
+          <p:style>
+            <a:lnRef idx="2">
+              <a:schemeClr val="accent1">
+                <a:shade val="50000"/>
+              </a:schemeClr>
+            </a:lnRef>
+            <a:fillRef idx="1">
+              <a:schemeClr val="accent1"/>
+            </a:fillRef>
+            <a:effectRef idx="0">
+              <a:schemeClr val="accent1"/>
+            </a:effectRef>
+            <a:fontRef idx="minor">
+              <a:schemeClr val="lt1"/>
+            </a:fontRef>
+          </p:style>
+          <p:txBody>
+            <a:bodyPr rtlCol="0" anchor="ctr"/>
+            <a:lstStyle/>
+            <a:p>
+              <a:pPr algn="ctr"/>
+              <a:r>
+                <a:rPr lang="zh-CN" altLang="en-US" dirty="0"/>
+                <a:t>执行更新视图方法</a:t>
+              </a:r>
+            </a:p>
+          </p:txBody>
+        </p:sp>
+        <p:sp>
+          <p:nvSpPr>
+            <p:cNvPr id="19" name="箭头: 右 18">
+              <a:extLst>
+                <a:ext uri="{FF2B5EF4-FFF2-40B4-BE49-F238E27FC236}">
+                  <a16:creationId xmlns:a16="http://schemas.microsoft.com/office/drawing/2014/main" id="{6C89730F-24E9-49BB-9E1D-CB0B1583B8B2}"/>
+                </a:ext>
+              </a:extLst>
+            </p:cNvPr>
+            <p:cNvSpPr/>
+            <p:nvPr/>
+          </p:nvSpPr>
+          <p:spPr>
+            <a:xfrm>
+              <a:off x="3993777" y="1898953"/>
+              <a:ext cx="986118" cy="322729"/>
+            </a:xfrm>
+            <a:prstGeom prst="rightArrow">
+              <a:avLst/>
+            </a:prstGeom>
+            <a:solidFill>
+              <a:srgbClr val="92D050"/>
+            </a:solidFill>
+          </p:spPr>
+          <p:style>
+            <a:lnRef idx="2">
+              <a:schemeClr val="accent1">
+                <a:shade val="50000"/>
+              </a:schemeClr>
+            </a:lnRef>
+            <a:fillRef idx="1">
+              <a:schemeClr val="accent1"/>
+            </a:fillRef>
+            <a:effectRef idx="0">
+              <a:schemeClr val="accent1"/>
+            </a:effectRef>
+            <a:fontRef idx="minor">
+              <a:schemeClr val="lt1"/>
+            </a:fontRef>
+          </p:style>
+          <p:txBody>
+            <a:bodyPr rtlCol="0" anchor="ctr"/>
+            <a:lstStyle/>
+            <a:p>
+              <a:pPr algn="ctr"/>
+              <a:endParaRPr lang="zh-CN" altLang="en-US"/>
+            </a:p>
+          </p:txBody>
+        </p:sp>
+        <p:sp>
+          <p:nvSpPr>
+            <p:cNvPr id="20" name="箭头: 右 19">
+              <a:extLst>
+                <a:ext uri="{FF2B5EF4-FFF2-40B4-BE49-F238E27FC236}">
+                  <a16:creationId xmlns:a16="http://schemas.microsoft.com/office/drawing/2014/main" id="{ABBB6EFE-81CE-4C4D-8A97-2FA8D00EDF32}"/>
+                </a:ext>
+              </a:extLst>
+            </p:cNvPr>
+            <p:cNvSpPr/>
+            <p:nvPr/>
+          </p:nvSpPr>
+          <p:spPr>
+            <a:xfrm>
+              <a:off x="7758953" y="1913373"/>
+              <a:ext cx="986118" cy="322729"/>
+            </a:xfrm>
+            <a:prstGeom prst="rightArrow">
+              <a:avLst/>
+            </a:prstGeom>
+            <a:solidFill>
+              <a:srgbClr val="92D050"/>
+            </a:solidFill>
+          </p:spPr>
+          <p:style>
+            <a:lnRef idx="2">
+              <a:schemeClr val="accent1">
+                <a:shade val="50000"/>
+              </a:schemeClr>
+            </a:lnRef>
+            <a:fillRef idx="1">
+              <a:schemeClr val="accent1"/>
+            </a:fillRef>
+            <a:effectRef idx="0">
+              <a:schemeClr val="accent1"/>
+            </a:effectRef>
+            <a:fontRef idx="minor">
+              <a:schemeClr val="lt1"/>
+            </a:fontRef>
+          </p:style>
+          <p:txBody>
+            <a:bodyPr rtlCol="0" anchor="ctr"/>
+            <a:lstStyle/>
+            <a:p>
+              <a:pPr algn="ctr"/>
+              <a:endParaRPr lang="zh-CN" altLang="en-US"/>
+            </a:p>
+          </p:txBody>
+        </p:sp>
+        <p:sp>
+          <p:nvSpPr>
+            <p:cNvPr id="21" name="文本框 20">
+              <a:extLst>
+                <a:ext uri="{FF2B5EF4-FFF2-40B4-BE49-F238E27FC236}">
+                  <a16:creationId xmlns:a16="http://schemas.microsoft.com/office/drawing/2014/main" id="{A768E2E3-4D3E-4F7F-84EA-AFB704ADB861}"/>
+                </a:ext>
+              </a:extLst>
+            </p:cNvPr>
+            <p:cNvSpPr txBox="1"/>
+            <p:nvPr/>
+          </p:nvSpPr>
+          <p:spPr>
+            <a:xfrm>
+              <a:off x="4157465" y="1642239"/>
+              <a:ext cx="651140" cy="369332"/>
+            </a:xfrm>
+            <a:prstGeom prst="rect">
+              <a:avLst/>
+            </a:prstGeom>
+            <a:noFill/>
+          </p:spPr>
+          <p:txBody>
+            <a:bodyPr wrap="none" rtlCol="0">
+              <a:spAutoFit/>
+            </a:bodyPr>
+            <a:lstStyle/>
+            <a:p>
+              <a:r>
+                <a:rPr lang="zh-CN" altLang="en-US" dirty="0"/>
+                <a:t>监听</a:t>
+              </a:r>
+            </a:p>
+          </p:txBody>
+        </p:sp>
+        <p:sp>
+          <p:nvSpPr>
+            <p:cNvPr id="22" name="文本框 21">
+              <a:extLst>
+                <a:ext uri="{FF2B5EF4-FFF2-40B4-BE49-F238E27FC236}">
+                  <a16:creationId xmlns:a16="http://schemas.microsoft.com/office/drawing/2014/main" id="{2AE6966B-13AB-4CCA-9469-55CEA3BDEE09}"/>
+                </a:ext>
+              </a:extLst>
+            </p:cNvPr>
+            <p:cNvSpPr txBox="1"/>
+            <p:nvPr/>
+          </p:nvSpPr>
+          <p:spPr>
+            <a:xfrm>
+              <a:off x="7732059" y="1655852"/>
+              <a:ext cx="954107" cy="369332"/>
+            </a:xfrm>
+            <a:prstGeom prst="rect">
+              <a:avLst/>
+            </a:prstGeom>
+            <a:noFill/>
+          </p:spPr>
+          <p:txBody>
+            <a:bodyPr wrap="none" rtlCol="0">
+              <a:spAutoFit/>
+            </a:bodyPr>
+            <a:lstStyle/>
+            <a:p>
+              <a:r>
+                <a:rPr lang="zh-CN" altLang="en-US" dirty="0"/>
+                <a:t>触发</a:t>
+              </a:r>
+              <a:r>
+                <a:rPr lang="en-US" altLang="zh-CN" dirty="0"/>
+                <a:t>set</a:t>
+              </a:r>
+              <a:endParaRPr lang="zh-CN" altLang="en-US" dirty="0"/>
+            </a:p>
+          </p:txBody>
+        </p:sp>
+      </p:grpSp>
     </p:spTree>
     <p:extLst>
       <p:ext uri="{BB962C8B-B14F-4D97-AF65-F5344CB8AC3E}">
@@ -20397,6 +22706,208 @@
       </p:transition>
     </mc:Fallback>
   </mc:AlternateContent>
+  <p:timing>
+    <p:tnLst>
+      <p:par>
+        <p:cTn id="1" dur="indefinite" restart="never" nodeType="tmRoot">
+          <p:childTnLst>
+            <p:seq concurrent="1" nextAc="seek">
+              <p:cTn id="2" dur="indefinite" nodeType="mainSeq">
+                <p:childTnLst>
+                  <p:par>
+                    <p:cTn id="3" fill="hold">
+                      <p:stCondLst>
+                        <p:cond delay="indefinite"/>
+                        <p:cond evt="onBegin" delay="0">
+                          <p:tn val="2"/>
+                        </p:cond>
+                      </p:stCondLst>
+                      <p:childTnLst>
+                        <p:par>
+                          <p:cTn id="4" fill="hold">
+                            <p:stCondLst>
+                              <p:cond delay="0"/>
+                            </p:stCondLst>
+                            <p:childTnLst>
+                              <p:par>
+                                <p:cTn id="5" presetID="14" presetClass="entr" presetSubtype="10" fill="hold" nodeType="withEffect">
+                                  <p:stCondLst>
+                                    <p:cond delay="0"/>
+                                  </p:stCondLst>
+                                  <p:childTnLst>
+                                    <p:set>
+                                      <p:cBhvr>
+                                        <p:cTn id="6" dur="1" fill="hold">
+                                          <p:stCondLst>
+                                            <p:cond delay="0"/>
+                                          </p:stCondLst>
+                                        </p:cTn>
+                                        <p:tgtEl>
+                                          <p:spTgt spid="10"/>
+                                        </p:tgtEl>
+                                        <p:attrNameLst>
+                                          <p:attrName>style.visibility</p:attrName>
+                                        </p:attrNameLst>
+                                      </p:cBhvr>
+                                      <p:to>
+                                        <p:strVal val="visible"/>
+                                      </p:to>
+                                    </p:set>
+                                    <p:animEffect transition="in" filter="randombar(horizontal)">
+                                      <p:cBhvr>
+                                        <p:cTn id="7" dur="500"/>
+                                        <p:tgtEl>
+                                          <p:spTgt spid="10"/>
+                                        </p:tgtEl>
+                                      </p:cBhvr>
+                                    </p:animEffect>
+                                  </p:childTnLst>
+                                </p:cTn>
+                              </p:par>
+                              <p:par>
+                                <p:cTn id="8" presetID="14" presetClass="entr" presetSubtype="10" fill="hold" nodeType="withEffect">
+                                  <p:stCondLst>
+                                    <p:cond delay="0"/>
+                                  </p:stCondLst>
+                                  <p:childTnLst>
+                                    <p:set>
+                                      <p:cBhvr>
+                                        <p:cTn id="9" dur="1" fill="hold">
+                                          <p:stCondLst>
+                                            <p:cond delay="0"/>
+                                          </p:stCondLst>
+                                        </p:cTn>
+                                        <p:tgtEl>
+                                          <p:spTgt spid="12"/>
+                                        </p:tgtEl>
+                                        <p:attrNameLst>
+                                          <p:attrName>style.visibility</p:attrName>
+                                        </p:attrNameLst>
+                                      </p:cBhvr>
+                                      <p:to>
+                                        <p:strVal val="visible"/>
+                                      </p:to>
+                                    </p:set>
+                                    <p:animEffect transition="in" filter="randombar(horizontal)">
+                                      <p:cBhvr>
+                                        <p:cTn id="10" dur="500"/>
+                                        <p:tgtEl>
+                                          <p:spTgt spid="12"/>
+                                        </p:tgtEl>
+                                      </p:cBhvr>
+                                    </p:animEffect>
+                                  </p:childTnLst>
+                                </p:cTn>
+                              </p:par>
+                              <p:par>
+                                <p:cTn id="11" presetID="42" presetClass="entr" presetSubtype="0" fill="hold" nodeType="withEffect">
+                                  <p:stCondLst>
+                                    <p:cond delay="0"/>
+                                  </p:stCondLst>
+                                  <p:childTnLst>
+                                    <p:set>
+                                      <p:cBhvr>
+                                        <p:cTn id="12" dur="1" fill="hold">
+                                          <p:stCondLst>
+                                            <p:cond delay="0"/>
+                                          </p:stCondLst>
+                                        </p:cTn>
+                                        <p:tgtEl>
+                                          <p:spTgt spid="13"/>
+                                        </p:tgtEl>
+                                        <p:attrNameLst>
+                                          <p:attrName>style.visibility</p:attrName>
+                                        </p:attrNameLst>
+                                      </p:cBhvr>
+                                      <p:to>
+                                        <p:strVal val="visible"/>
+                                      </p:to>
+                                    </p:set>
+                                    <p:animEffect transition="in" filter="fade">
+                                      <p:cBhvr>
+                                        <p:cTn id="13" dur="1000"/>
+                                        <p:tgtEl>
+                                          <p:spTgt spid="13"/>
+                                        </p:tgtEl>
+                                      </p:cBhvr>
+                                    </p:animEffect>
+                                    <p:anim calcmode="lin" valueType="num">
+                                      <p:cBhvr>
+                                        <p:cTn id="14" dur="1000" fill="hold"/>
+                                        <p:tgtEl>
+                                          <p:spTgt spid="13"/>
+                                        </p:tgtEl>
+                                        <p:attrNameLst>
+                                          <p:attrName>ppt_x</p:attrName>
+                                        </p:attrNameLst>
+                                      </p:cBhvr>
+                                      <p:tavLst>
+                                        <p:tav tm="0">
+                                          <p:val>
+                                            <p:strVal val="#ppt_x"/>
+                                          </p:val>
+                                        </p:tav>
+                                        <p:tav tm="100000">
+                                          <p:val>
+                                            <p:strVal val="#ppt_x"/>
+                                          </p:val>
+                                        </p:tav>
+                                      </p:tavLst>
+                                    </p:anim>
+                                    <p:anim calcmode="lin" valueType="num">
+                                      <p:cBhvr>
+                                        <p:cTn id="15" dur="1000" fill="hold"/>
+                                        <p:tgtEl>
+                                          <p:spTgt spid="13"/>
+                                        </p:tgtEl>
+                                        <p:attrNameLst>
+                                          <p:attrName>ppt_y</p:attrName>
+                                        </p:attrNameLst>
+                                      </p:cBhvr>
+                                      <p:tavLst>
+                                        <p:tav tm="0">
+                                          <p:val>
+                                            <p:strVal val="#ppt_y+.1"/>
+                                          </p:val>
+                                        </p:tav>
+                                        <p:tav tm="100000">
+                                          <p:val>
+                                            <p:strVal val="#ppt_y"/>
+                                          </p:val>
+                                        </p:tav>
+                                      </p:tavLst>
+                                    </p:anim>
+                                  </p:childTnLst>
+                                </p:cTn>
+                              </p:par>
+                            </p:childTnLst>
+                          </p:cTn>
+                        </p:par>
+                      </p:childTnLst>
+                    </p:cTn>
+                  </p:par>
+                </p:childTnLst>
+              </p:cTn>
+              <p:prevCondLst>
+                <p:cond evt="onPrev" delay="0">
+                  <p:tgtEl>
+                    <p:sldTgt/>
+                  </p:tgtEl>
+                </p:cond>
+              </p:prevCondLst>
+              <p:nextCondLst>
+                <p:cond evt="onNext" delay="0">
+                  <p:tgtEl>
+                    <p:sldTgt/>
+                  </p:tgtEl>
+                </p:cond>
+              </p:nextCondLst>
+            </p:seq>
+          </p:childTnLst>
+        </p:cTn>
+      </p:par>
+    </p:tnLst>
+  </p:timing>
 </p:sld>
 </file>
 
@@ -20609,7 +23120,7 @@
         <p:spPr>
           <a:xfrm>
             <a:off x="728662" y="1886857"/>
-            <a:ext cx="10396413" cy="1200329"/>
+            <a:ext cx="10396413" cy="1688411"/>
           </a:xfrm>
           <a:prstGeom prst="rect">
             <a:avLst/>
@@ -20622,12 +23133,22 @@
           </a:bodyPr>
           <a:lstStyle/>
           <a:p>
+            <a:pPr>
+              <a:lnSpc>
+                <a:spcPct val="150000"/>
+              </a:lnSpc>
+            </a:pPr>
             <a:r>
               <a:rPr lang="zh-CN" altLang="en-US" sz="2400" dirty="0"/>
               <a:t>作用</a:t>
             </a:r>
           </a:p>
           <a:p>
+            <a:pPr>
+              <a:lnSpc>
+                <a:spcPct val="150000"/>
+              </a:lnSpc>
+            </a:pPr>
             <a:r>
               <a:rPr lang="zh-CN" altLang="en-US" sz="2400" dirty="0"/>
               <a:t>	</a:t>
@@ -20655,6 +23176,11 @@
             <a:endParaRPr lang="en-US" altLang="zh-CN" sz="2400" b="1" dirty="0"/>
           </a:p>
           <a:p>
+            <a:pPr>
+              <a:lnSpc>
+                <a:spcPct val="150000"/>
+              </a:lnSpc>
+            </a:pPr>
             <a:r>
               <a:rPr lang="zh-CN" altLang="en-US" sz="2400" dirty="0"/>
               <a:t>使用 </a:t>
@@ -20701,7 +23227,7 @@
         <p:spPr>
           <a:xfrm>
             <a:off x="728662" y="4711771"/>
-            <a:ext cx="10491187" cy="830997"/>
+            <a:ext cx="10491187" cy="1134413"/>
           </a:xfrm>
           <a:prstGeom prst="rect">
             <a:avLst/>
@@ -20714,6 +23240,11 @@
           </a:bodyPr>
           <a:lstStyle/>
           <a:p>
+            <a:pPr>
+              <a:lnSpc>
+                <a:spcPct val="150000"/>
+              </a:lnSpc>
+            </a:pPr>
             <a:r>
               <a:rPr lang="zh-CN" altLang="en-US" sz="2400" dirty="0"/>
               <a:t>当监听到属性</a:t>
@@ -20748,6 +23279,11 @@
             </a:r>
           </a:p>
           <a:p>
+            <a:pPr>
+              <a:lnSpc>
+                <a:spcPct val="150000"/>
+              </a:lnSpc>
+            </a:pPr>
             <a:r>
               <a:rPr lang="zh-CN" altLang="en-US" sz="2400" dirty="0"/>
               <a:t>过程中可能会有多个订阅者 </a:t>
@@ -20775,36 +23311,6 @@
           </a:p>
         </p:txBody>
       </p:sp>
-      <p:pic>
-        <p:nvPicPr>
-          <p:cNvPr id="5" name="图片 4">
-            <a:extLst>
-              <a:ext uri="{FF2B5EF4-FFF2-40B4-BE49-F238E27FC236}">
-                <a16:creationId xmlns:a16="http://schemas.microsoft.com/office/drawing/2014/main" id="{EC7DC02A-373A-497B-B9E0-243514E0C67C}"/>
-              </a:ext>
-            </a:extLst>
-          </p:cNvPr>
-          <p:cNvPicPr>
-            <a:picLocks noChangeAspect="1"/>
-          </p:cNvPicPr>
-          <p:nvPr/>
-        </p:nvPicPr>
-        <p:blipFill>
-          <a:blip r:embed="rId4"/>
-          <a:stretch>
-            <a:fillRect/>
-          </a:stretch>
-        </p:blipFill>
-        <p:spPr>
-          <a:xfrm>
-            <a:off x="649599" y="1580682"/>
-            <a:ext cx="10649312" cy="5025032"/>
-          </a:xfrm>
-          <a:prstGeom prst="rect">
-            <a:avLst/>
-          </a:prstGeom>
-        </p:spPr>
-      </p:pic>
     </p:spTree>
     <p:extLst>
       <p:ext uri="{BB962C8B-B14F-4D97-AF65-F5344CB8AC3E}">
@@ -20839,6 +23345,9 @@
                     <p:cTn id="3" fill="hold">
                       <p:stCondLst>
                         <p:cond delay="indefinite"/>
+                        <p:cond evt="onBegin" delay="0">
+                          <p:tn val="2"/>
+                        </p:cond>
                       </p:stCondLst>
                       <p:childTnLst>
                         <p:par>
@@ -20848,7 +23357,7 @@
                             </p:stCondLst>
                             <p:childTnLst>
                               <p:par>
-                                <p:cTn id="5" presetID="10" presetClass="entr" presetSubtype="0" fill="hold" nodeType="clickEffect">
+                                <p:cTn id="5" presetID="42" presetClass="entr" presetSubtype="0" fill="hold" grpId="0" nodeType="withEffect">
                                   <p:stCondLst>
                                     <p:cond delay="0"/>
                                   </p:stCondLst>
@@ -20861,7 +23370,7 @@
                                           </p:stCondLst>
                                         </p:cTn>
                                         <p:tgtEl>
-                                          <p:spTgt spid="5"/>
+                                          <p:spTgt spid="11"/>
                                         </p:tgtEl>
                                         <p:attrNameLst>
                                           <p:attrName>style.visibility</p:attrName>
@@ -20873,12 +23382,139 @@
                                     </p:set>
                                     <p:animEffect transition="in" filter="fade">
                                       <p:cBhvr>
-                                        <p:cTn id="7" dur="500"/>
+                                        <p:cTn id="7" dur="1000"/>
                                         <p:tgtEl>
-                                          <p:spTgt spid="5"/>
+                                          <p:spTgt spid="11"/>
                                         </p:tgtEl>
                                       </p:cBhvr>
                                     </p:animEffect>
+                                    <p:anim calcmode="lin" valueType="num">
+                                      <p:cBhvr>
+                                        <p:cTn id="8" dur="1000" fill="hold"/>
+                                        <p:tgtEl>
+                                          <p:spTgt spid="11"/>
+                                        </p:tgtEl>
+                                        <p:attrNameLst>
+                                          <p:attrName>ppt_x</p:attrName>
+                                        </p:attrNameLst>
+                                      </p:cBhvr>
+                                      <p:tavLst>
+                                        <p:tav tm="0">
+                                          <p:val>
+                                            <p:strVal val="#ppt_x"/>
+                                          </p:val>
+                                        </p:tav>
+                                        <p:tav tm="100000">
+                                          <p:val>
+                                            <p:strVal val="#ppt_x"/>
+                                          </p:val>
+                                        </p:tav>
+                                      </p:tavLst>
+                                    </p:anim>
+                                    <p:anim calcmode="lin" valueType="num">
+                                      <p:cBhvr>
+                                        <p:cTn id="9" dur="1000" fill="hold"/>
+                                        <p:tgtEl>
+                                          <p:spTgt spid="11"/>
+                                        </p:tgtEl>
+                                        <p:attrNameLst>
+                                          <p:attrName>ppt_y</p:attrName>
+                                        </p:attrNameLst>
+                                      </p:cBhvr>
+                                      <p:tavLst>
+                                        <p:tav tm="0">
+                                          <p:val>
+                                            <p:strVal val="#ppt_y+.1"/>
+                                          </p:val>
+                                        </p:tav>
+                                        <p:tav tm="100000">
+                                          <p:val>
+                                            <p:strVal val="#ppt_y"/>
+                                          </p:val>
+                                        </p:tav>
+                                      </p:tavLst>
+                                    </p:anim>
+                                  </p:childTnLst>
+                                </p:cTn>
+                              </p:par>
+                              <p:par>
+                                <p:cTn id="10" presetID="42" presetClass="entr" presetSubtype="0" fill="hold" grpId="0" nodeType="withEffect">
+                                  <p:stCondLst>
+                                    <p:cond delay="0"/>
+                                  </p:stCondLst>
+                                  <p:childTnLst>
+                                    <p:set>
+                                      <p:cBhvr>
+                                        <p:cTn id="11" dur="1" fill="hold">
+                                          <p:stCondLst>
+                                            <p:cond delay="0"/>
+                                          </p:stCondLst>
+                                        </p:cTn>
+                                        <p:tgtEl>
+                                          <p:spTgt spid="10"/>
+                                        </p:tgtEl>
+                                        <p:attrNameLst>
+                                          <p:attrName>style.visibility</p:attrName>
+                                        </p:attrNameLst>
+                                      </p:cBhvr>
+                                      <p:to>
+                                        <p:strVal val="visible"/>
+                                      </p:to>
+                                    </p:set>
+                                    <p:animEffect transition="in" filter="fade">
+                                      <p:cBhvr>
+                                        <p:cTn id="12" dur="1000"/>
+                                        <p:tgtEl>
+                                          <p:spTgt spid="10"/>
+                                        </p:tgtEl>
+                                      </p:cBhvr>
+                                    </p:animEffect>
+                                    <p:anim calcmode="lin" valueType="num">
+                                      <p:cBhvr>
+                                        <p:cTn id="13" dur="1000" fill="hold"/>
+                                        <p:tgtEl>
+                                          <p:spTgt spid="10"/>
+                                        </p:tgtEl>
+                                        <p:attrNameLst>
+                                          <p:attrName>ppt_x</p:attrName>
+                                        </p:attrNameLst>
+                                      </p:cBhvr>
+                                      <p:tavLst>
+                                        <p:tav tm="0">
+                                          <p:val>
+                                            <p:strVal val="#ppt_x"/>
+                                          </p:val>
+                                        </p:tav>
+                                        <p:tav tm="100000">
+                                          <p:val>
+                                            <p:strVal val="#ppt_x"/>
+                                          </p:val>
+                                        </p:tav>
+                                      </p:tavLst>
+                                    </p:anim>
+                                    <p:anim calcmode="lin" valueType="num">
+                                      <p:cBhvr>
+                                        <p:cTn id="14" dur="1000" fill="hold"/>
+                                        <p:tgtEl>
+                                          <p:spTgt spid="10"/>
+                                        </p:tgtEl>
+                                        <p:attrNameLst>
+                                          <p:attrName>ppt_y</p:attrName>
+                                        </p:attrNameLst>
+                                      </p:cBhvr>
+                                      <p:tavLst>
+                                        <p:tav tm="0">
+                                          <p:val>
+                                            <p:strVal val="#ppt_y+.1"/>
+                                          </p:val>
+                                        </p:tav>
+                                        <p:tav tm="100000">
+                                          <p:val>
+                                            <p:strVal val="#ppt_y"/>
+                                          </p:val>
+                                        </p:tav>
+                                      </p:tavLst>
+                                    </p:anim>
                                   </p:childTnLst>
                                 </p:cTn>
                               </p:par>
@@ -20909,6 +23545,10 @@
         </p:cTn>
       </p:par>
     </p:tnLst>
+    <p:bldLst>
+      <p:bldP spid="11" grpId="0"/>
+      <p:bldP spid="10" grpId="0"/>
+    </p:bldLst>
   </p:timing>
 </p:sld>
 </file>
@@ -21121,8 +23761,8 @@
         </p:nvSpPr>
         <p:spPr>
           <a:xfrm>
-            <a:off x="728662" y="2026193"/>
-            <a:ext cx="9348848" cy="1200329"/>
+            <a:off x="728662" y="1743806"/>
+            <a:ext cx="9348848" cy="1688411"/>
           </a:xfrm>
           <a:prstGeom prst="rect">
             <a:avLst/>
@@ -21135,6 +23775,11 @@
           </a:bodyPr>
           <a:lstStyle/>
           <a:p>
+            <a:pPr>
+              <a:lnSpc>
+                <a:spcPct val="150000"/>
+              </a:lnSpc>
+            </a:pPr>
             <a:r>
               <a:rPr lang="en-US" altLang="zh-CN" sz="2400" b="1" dirty="0"/>
               <a:t>Compile</a:t>
@@ -21149,6 +23794,11 @@
             </a:r>
           </a:p>
           <a:p>
+            <a:pPr>
+              <a:lnSpc>
+                <a:spcPct val="150000"/>
+              </a:lnSpc>
+            </a:pPr>
             <a:r>
               <a:rPr lang="en-US" altLang="zh-CN" sz="2400" dirty="0"/>
               <a:t>1</a:t>
@@ -21175,6 +23825,11 @@
             </a:r>
           </a:p>
           <a:p>
+            <a:pPr>
+              <a:lnSpc>
+                <a:spcPct val="150000"/>
+              </a:lnSpc>
+            </a:pPr>
             <a:r>
               <a:rPr lang="en-US" altLang="zh-CN" sz="2400" dirty="0"/>
               <a:t>2</a:t>
@@ -21216,8 +23871,8 @@
         </p:nvSpPr>
         <p:spPr>
           <a:xfrm>
-            <a:off x="912636" y="4606367"/>
-            <a:ext cx="8662386" cy="1200329"/>
+            <a:off x="912636" y="4485344"/>
+            <a:ext cx="10006376" cy="1688411"/>
           </a:xfrm>
           <a:prstGeom prst="rect">
             <a:avLst/>
@@ -21230,6 +23885,11 @@
           </a:bodyPr>
           <a:lstStyle/>
           <a:p>
+            <a:pPr>
+              <a:lnSpc>
+                <a:spcPct val="150000"/>
+              </a:lnSpc>
+            </a:pPr>
             <a:r>
               <a:rPr lang="zh-CN" altLang="en-US" sz="2400" b="0" i="0" dirty="0">
                 <a:solidFill>
@@ -21436,6 +24096,131 @@
       </p:transition>
     </mc:Fallback>
   </mc:AlternateContent>
+  <p:timing>
+    <p:tnLst>
+      <p:par>
+        <p:cTn id="1" dur="indefinite" restart="never" nodeType="tmRoot">
+          <p:childTnLst>
+            <p:seq concurrent="1" nextAc="seek">
+              <p:cTn id="2" dur="indefinite" nodeType="mainSeq">
+                <p:childTnLst>
+                  <p:par>
+                    <p:cTn id="3" fill="hold">
+                      <p:stCondLst>
+                        <p:cond delay="indefinite"/>
+                        <p:cond evt="onBegin" delay="0">
+                          <p:tn val="2"/>
+                        </p:cond>
+                      </p:stCondLst>
+                      <p:childTnLst>
+                        <p:par>
+                          <p:cTn id="4" fill="hold">
+                            <p:stCondLst>
+                              <p:cond delay="0"/>
+                            </p:stCondLst>
+                            <p:childTnLst>
+                              <p:par>
+                                <p:cTn id="5" presetID="22" presetClass="entr" presetSubtype="4" fill="hold" grpId="0" nodeType="withEffect">
+                                  <p:stCondLst>
+                                    <p:cond delay="0"/>
+                                  </p:stCondLst>
+                                  <p:childTnLst>
+                                    <p:set>
+                                      <p:cBhvr>
+                                        <p:cTn id="6" dur="1" fill="hold">
+                                          <p:stCondLst>
+                                            <p:cond delay="0"/>
+                                          </p:stCondLst>
+                                        </p:cTn>
+                                        <p:tgtEl>
+                                          <p:spTgt spid="11"/>
+                                        </p:tgtEl>
+                                        <p:attrNameLst>
+                                          <p:attrName>style.visibility</p:attrName>
+                                        </p:attrNameLst>
+                                      </p:cBhvr>
+                                      <p:to>
+                                        <p:strVal val="visible"/>
+                                      </p:to>
+                                    </p:set>
+                                    <p:animEffect transition="in" filter="wipe(down)">
+                                      <p:cBhvr>
+                                        <p:cTn id="7" dur="500"/>
+                                        <p:tgtEl>
+                                          <p:spTgt spid="11"/>
+                                        </p:tgtEl>
+                                      </p:cBhvr>
+                                    </p:animEffect>
+                                  </p:childTnLst>
+                                </p:cTn>
+                              </p:par>
+                              <p:par>
+                                <p:cTn id="8" presetID="22" presetClass="entr" presetSubtype="4" fill="hold" grpId="0" nodeType="withEffect">
+                                  <p:stCondLst>
+                                    <p:cond delay="0"/>
+                                  </p:stCondLst>
+                                  <p:childTnLst>
+                                    <p:set>
+                                      <p:cBhvr>
+                                        <p:cTn id="9" dur="1" fill="hold">
+                                          <p:stCondLst>
+                                            <p:cond delay="0"/>
+                                          </p:stCondLst>
+                                        </p:cTn>
+                                        <p:tgtEl>
+                                          <p:spTgt spid="8"/>
+                                        </p:tgtEl>
+                                        <p:attrNameLst>
+                                          <p:attrName>style.visibility</p:attrName>
+                                        </p:attrNameLst>
+                                      </p:cBhvr>
+                                      <p:to>
+                                        <p:strVal val="visible"/>
+                                      </p:to>
+                                    </p:set>
+                                    <p:animEffect transition="in" filter="wipe(down)">
+                                      <p:cBhvr>
+                                        <p:cTn id="10" dur="500"/>
+                                        <p:tgtEl>
+                                          <p:spTgt spid="8"/>
+                                        </p:tgtEl>
+                                      </p:cBhvr>
+                                    </p:animEffect>
+                                  </p:childTnLst>
+                                </p:cTn>
+                              </p:par>
+                            </p:childTnLst>
+                          </p:cTn>
+                        </p:par>
+                      </p:childTnLst>
+                    </p:cTn>
+                  </p:par>
+                </p:childTnLst>
+              </p:cTn>
+              <p:prevCondLst>
+                <p:cond evt="onPrev" delay="0">
+                  <p:tgtEl>
+                    <p:sldTgt/>
+                  </p:tgtEl>
+                </p:cond>
+              </p:prevCondLst>
+              <p:nextCondLst>
+                <p:cond evt="onNext" delay="0">
+                  <p:tgtEl>
+                    <p:sldTgt/>
+                  </p:tgtEl>
+                </p:cond>
+              </p:nextCondLst>
+            </p:seq>
+          </p:childTnLst>
+        </p:cTn>
+      </p:par>
+    </p:tnLst>
+    <p:bldLst>
+      <p:bldP spid="11" grpId="0"/>
+      <p:bldP spid="8" grpId="0"/>
+    </p:bldLst>
+  </p:timing>
 </p:sld>
 </file>
 
@@ -21648,7 +24433,7 @@
         <p:spPr>
           <a:xfrm>
             <a:off x="495898" y="1886857"/>
-            <a:ext cx="10467435" cy="1200329"/>
+            <a:ext cx="10467435" cy="1688411"/>
           </a:xfrm>
           <a:prstGeom prst="rect">
             <a:avLst/>
@@ -21661,6 +24446,11 @@
           </a:bodyPr>
           <a:lstStyle/>
           <a:p>
+            <a:pPr>
+              <a:lnSpc>
+                <a:spcPct val="150000"/>
+              </a:lnSpc>
+            </a:pPr>
             <a:r>
               <a:rPr lang="en-US" altLang="zh-CN" sz="2400" b="1" dirty="0"/>
               <a:t>Watcher</a:t>
@@ -21679,6 +24469,11 @@
             </a:r>
           </a:p>
           <a:p>
+            <a:pPr>
+              <a:lnSpc>
+                <a:spcPct val="150000"/>
+              </a:lnSpc>
+            </a:pPr>
             <a:r>
               <a:rPr lang="zh-CN" altLang="en-US" sz="2400" dirty="0"/>
               <a:t>	</a:t>
@@ -21737,6 +24532,11 @@
             </a:r>
           </a:p>
           <a:p>
+            <a:pPr>
+              <a:lnSpc>
+                <a:spcPct val="150000"/>
+              </a:lnSpc>
+            </a:pPr>
             <a:r>
               <a:rPr lang="zh-CN" altLang="en-US" sz="2400" dirty="0"/>
               <a:t>	</a:t>
@@ -21775,7 +24575,7 @@
         <p:spPr>
           <a:xfrm>
             <a:off x="495898" y="4720721"/>
-            <a:ext cx="10467435" cy="1200329"/>
+            <a:ext cx="10467435" cy="1688411"/>
           </a:xfrm>
           <a:prstGeom prst="rect">
             <a:avLst/>
@@ -21788,25 +24588,50 @@
           </a:bodyPr>
           <a:lstStyle/>
           <a:p>
+            <a:pPr>
+              <a:lnSpc>
+                <a:spcPct val="150000"/>
+              </a:lnSpc>
+            </a:pPr>
+            <a:r>
+              <a:rPr lang="zh-CN" altLang="en-US" sz="2400" b="1" dirty="0"/>
+              <a:t>订阅者</a:t>
+            </a:r>
             <a:r>
               <a:rPr lang="en-US" altLang="zh-CN" sz="2400" dirty="0"/>
-              <a:t>Watcher </a:t>
+              <a:t>(Watcher)</a:t>
             </a:r>
             <a:r>
               <a:rPr lang="zh-CN" altLang="en-US" sz="2400" dirty="0"/>
-              <a:t>订阅者是 </a:t>
+              <a:t>是 </a:t>
+            </a:r>
+            <a:r>
+              <a:rPr lang="zh-CN" altLang="en-US" sz="2400" b="1" dirty="0"/>
+              <a:t>监听器</a:t>
             </a:r>
             <a:r>
               <a:rPr lang="en-US" altLang="zh-CN" sz="2400" dirty="0"/>
-              <a:t>Observer </a:t>
+              <a:t>(Observer)</a:t>
+            </a:r>
+            <a:r>
+              <a:rPr lang="zh-CN" altLang="en-US" sz="2400" b="1" dirty="0"/>
+              <a:t> </a:t>
             </a:r>
             <a:r>
               <a:rPr lang="zh-CN" altLang="en-US" sz="2400" dirty="0"/>
               <a:t>和 </a:t>
             </a:r>
             <a:r>
+              <a:rPr lang="zh-CN" altLang="en-US" sz="2400" b="1" dirty="0"/>
+              <a:t>解析器</a:t>
+            </a:r>
+            <a:r>
               <a:rPr lang="en-US" altLang="zh-CN" sz="2400" dirty="0"/>
-              <a:t>Compile </a:t>
+              <a:t>(Compile)</a:t>
+            </a:r>
+            <a:r>
+              <a:rPr lang="zh-CN" altLang="en-US" sz="2400" b="1" dirty="0"/>
+              <a:t> </a:t>
             </a:r>
             <a:r>
               <a:rPr lang="zh-CN" altLang="en-US" sz="2400" dirty="0"/>
@@ -21819,6 +24644,11 @@
             <a:endParaRPr lang="en-US" altLang="zh-CN" sz="2400" b="1" dirty="0"/>
           </a:p>
           <a:p>
+            <a:pPr>
+              <a:lnSpc>
+                <a:spcPct val="150000"/>
+              </a:lnSpc>
+            </a:pPr>
             <a:r>
               <a:rPr lang="zh-CN" altLang="en-US" sz="2400" dirty="0"/>
               <a:t>主要的任务是订阅 </a:t>
@@ -21884,6 +24714,131 @@
       </p:transition>
     </mc:Fallback>
   </mc:AlternateContent>
+  <p:timing>
+    <p:tnLst>
+      <p:par>
+        <p:cTn id="1" dur="indefinite" restart="never" nodeType="tmRoot">
+          <p:childTnLst>
+            <p:seq concurrent="1" nextAc="seek">
+              <p:cTn id="2" dur="indefinite" nodeType="mainSeq">
+                <p:childTnLst>
+                  <p:par>
+                    <p:cTn id="3" fill="hold">
+                      <p:stCondLst>
+                        <p:cond delay="indefinite"/>
+                        <p:cond evt="onBegin" delay="0">
+                          <p:tn val="2"/>
+                        </p:cond>
+                      </p:stCondLst>
+                      <p:childTnLst>
+                        <p:par>
+                          <p:cTn id="4" fill="hold">
+                            <p:stCondLst>
+                              <p:cond delay="0"/>
+                            </p:stCondLst>
+                            <p:childTnLst>
+                              <p:par>
+                                <p:cTn id="5" presetID="6" presetClass="entr" presetSubtype="16" fill="hold" grpId="0" nodeType="withEffect">
+                                  <p:stCondLst>
+                                    <p:cond delay="0"/>
+                                  </p:stCondLst>
+                                  <p:childTnLst>
+                                    <p:set>
+                                      <p:cBhvr>
+                                        <p:cTn id="6" dur="1" fill="hold">
+                                          <p:stCondLst>
+                                            <p:cond delay="0"/>
+                                          </p:stCondLst>
+                                        </p:cTn>
+                                        <p:tgtEl>
+                                          <p:spTgt spid="11"/>
+                                        </p:tgtEl>
+                                        <p:attrNameLst>
+                                          <p:attrName>style.visibility</p:attrName>
+                                        </p:attrNameLst>
+                                      </p:cBhvr>
+                                      <p:to>
+                                        <p:strVal val="visible"/>
+                                      </p:to>
+                                    </p:set>
+                                    <p:animEffect transition="in" filter="circle(in)">
+                                      <p:cBhvr>
+                                        <p:cTn id="7" dur="2000"/>
+                                        <p:tgtEl>
+                                          <p:spTgt spid="11"/>
+                                        </p:tgtEl>
+                                      </p:cBhvr>
+                                    </p:animEffect>
+                                  </p:childTnLst>
+                                </p:cTn>
+                              </p:par>
+                              <p:par>
+                                <p:cTn id="8" presetID="6" presetClass="entr" presetSubtype="16" fill="hold" grpId="0" nodeType="withEffect">
+                                  <p:stCondLst>
+                                    <p:cond delay="0"/>
+                                  </p:stCondLst>
+                                  <p:childTnLst>
+                                    <p:set>
+                                      <p:cBhvr>
+                                        <p:cTn id="9" dur="1" fill="hold">
+                                          <p:stCondLst>
+                                            <p:cond delay="0"/>
+                                          </p:stCondLst>
+                                        </p:cTn>
+                                        <p:tgtEl>
+                                          <p:spTgt spid="8"/>
+                                        </p:tgtEl>
+                                        <p:attrNameLst>
+                                          <p:attrName>style.visibility</p:attrName>
+                                        </p:attrNameLst>
+                                      </p:cBhvr>
+                                      <p:to>
+                                        <p:strVal val="visible"/>
+                                      </p:to>
+                                    </p:set>
+                                    <p:animEffect transition="in" filter="circle(in)">
+                                      <p:cBhvr>
+                                        <p:cTn id="10" dur="2000"/>
+                                        <p:tgtEl>
+                                          <p:spTgt spid="8"/>
+                                        </p:tgtEl>
+                                      </p:cBhvr>
+                                    </p:animEffect>
+                                  </p:childTnLst>
+                                </p:cTn>
+                              </p:par>
+                            </p:childTnLst>
+                          </p:cTn>
+                        </p:par>
+                      </p:childTnLst>
+                    </p:cTn>
+                  </p:par>
+                </p:childTnLst>
+              </p:cTn>
+              <p:prevCondLst>
+                <p:cond evt="onPrev" delay="0">
+                  <p:tgtEl>
+                    <p:sldTgt/>
+                  </p:tgtEl>
+                </p:cond>
+              </p:prevCondLst>
+              <p:nextCondLst>
+                <p:cond evt="onNext" delay="0">
+                  <p:tgtEl>
+                    <p:sldTgt/>
+                  </p:tgtEl>
+                </p:cond>
+              </p:nextCondLst>
+            </p:seq>
+          </p:childTnLst>
+        </p:cTn>
+      </p:par>
+    </p:tnLst>
+    <p:bldLst>
+      <p:bldP spid="11" grpId="0"/>
+      <p:bldP spid="8" grpId="0"/>
+    </p:bldLst>
+  </p:timing>
 </p:sld>
 </file>
 
@@ -22095,8 +25050,8 @@
         </p:nvSpPr>
         <p:spPr>
           <a:xfrm>
-            <a:off x="344593" y="2868164"/>
-            <a:ext cx="11502814" cy="1569660"/>
+            <a:off x="344593" y="1895968"/>
+            <a:ext cx="11502814" cy="1134413"/>
           </a:xfrm>
           <a:prstGeom prst="rect">
             <a:avLst/>
@@ -22109,47 +25064,228 @@
           </a:bodyPr>
           <a:lstStyle/>
           <a:p>
-            <a:r>
-              <a:rPr lang="zh-CN" altLang="en-US" sz="3200" b="0" i="0" dirty="0">
+            <a:pPr>
+              <a:lnSpc>
+                <a:spcPct val="150000"/>
+              </a:lnSpc>
+            </a:pPr>
+            <a:r>
+              <a:rPr lang="zh-CN" altLang="en-US" sz="2400" b="0" i="0" dirty="0">
                 <a:solidFill>
                   <a:srgbClr val="404040"/>
                 </a:solidFill>
                 <a:effectLst/>
                 <a:latin typeface="-apple-system"/>
               </a:rPr>
-              <a:t>订阅器采用</a:t>
-            </a:r>
-            <a:r>
-              <a:rPr lang="zh-CN" altLang="en-US" sz="3200" b="1" i="0" dirty="0">
+              <a:t>订阅器采用：</a:t>
+            </a:r>
+            <a:r>
+              <a:rPr lang="zh-CN" altLang="en-US" sz="2400" b="1" i="0" dirty="0">
+                <a:solidFill>
+                  <a:srgbClr val="333333"/>
+                </a:solidFill>
+                <a:effectLst/>
+                <a:latin typeface="Helvetica Neue"/>
+              </a:rPr>
+              <a:t>发布者－订阅者模式</a:t>
+            </a:r>
+            <a:endParaRPr lang="en-US" altLang="zh-CN" sz="2400" b="1" i="0" dirty="0">
+              <a:solidFill>
+                <a:srgbClr val="333333"/>
+              </a:solidFill>
+              <a:effectLst/>
+              <a:latin typeface="Helvetica Neue"/>
+            </a:endParaRPr>
+          </a:p>
+          <a:p>
+            <a:pPr>
+              <a:lnSpc>
+                <a:spcPct val="150000"/>
+              </a:lnSpc>
+            </a:pPr>
+            <a:r>
+              <a:rPr lang="zh-CN" altLang="en-US" sz="2400" dirty="0">
+                <a:solidFill>
+                  <a:srgbClr val="333333"/>
+                </a:solidFill>
+                <a:latin typeface="Helvetica Neue"/>
+              </a:rPr>
+              <a:t>作用</a:t>
+            </a:r>
+            <a:r>
+              <a:rPr lang="zh-CN" altLang="en-US" sz="2400" i="0" dirty="0">
+                <a:solidFill>
+                  <a:srgbClr val="333333"/>
+                </a:solidFill>
+                <a:effectLst/>
+                <a:latin typeface="Helvetica Neue"/>
+              </a:rPr>
+              <a:t>：存储订阅者，发布任务</a:t>
+            </a:r>
+          </a:p>
+        </p:txBody>
+      </p:sp>
+      <p:sp>
+        <p:nvSpPr>
+          <p:cNvPr id="10" name="文本框 9">
+            <a:extLst>
+              <a:ext uri="{FF2B5EF4-FFF2-40B4-BE49-F238E27FC236}">
+                <a16:creationId xmlns:a16="http://schemas.microsoft.com/office/drawing/2014/main" id="{8D092E32-8584-4766-9B51-2CC05AE2BD72}"/>
+              </a:ext>
+            </a:extLst>
+          </p:cNvPr>
+          <p:cNvSpPr txBox="1"/>
+          <p:nvPr/>
+        </p:nvSpPr>
+        <p:spPr>
+          <a:xfrm>
+            <a:off x="344593" y="4173906"/>
+            <a:ext cx="11394690" cy="2249334"/>
+          </a:xfrm>
+          <a:prstGeom prst="rect">
+            <a:avLst/>
+          </a:prstGeom>
+          <a:noFill/>
+        </p:spPr>
+        <p:txBody>
+          <a:bodyPr wrap="square">
+            <a:spAutoFit/>
+          </a:bodyPr>
+          <a:lstStyle/>
+          <a:p>
+            <a:pPr algn="l">
+              <a:lnSpc>
+                <a:spcPct val="150000"/>
+              </a:lnSpc>
+            </a:pPr>
+            <a:r>
+              <a:rPr lang="en-US" altLang="zh-CN" sz="2400" dirty="0">
                 <a:solidFill>
                   <a:srgbClr val="404040"/>
                 </a:solidFill>
-                <a:effectLst/>
                 <a:latin typeface="-apple-system"/>
               </a:rPr>
-              <a:t>发布</a:t>
-            </a:r>
-            <a:r>
-              <a:rPr lang="en-US" altLang="zh-CN" sz="3200" b="1" i="0" dirty="0">
+              <a:t>Dep </a:t>
+            </a:r>
+            <a:r>
+              <a:rPr lang="zh-CN" altLang="en-US" sz="2400" dirty="0">
                 <a:solidFill>
                   <a:srgbClr val="404040"/>
                 </a:solidFill>
-                <a:effectLst/>
                 <a:latin typeface="-apple-system"/>
               </a:rPr>
-              <a:t>-</a:t>
-            </a:r>
-            <a:r>
-              <a:rPr lang="zh-CN" altLang="en-US" sz="3200" b="1" i="0" dirty="0">
+              <a:t>扮演的角色是</a:t>
+            </a:r>
+            <a:r>
+              <a:rPr lang="zh-CN" altLang="en-US" sz="2400" i="1" dirty="0">
                 <a:solidFill>
                   <a:srgbClr val="404040"/>
                 </a:solidFill>
-                <a:effectLst/>
                 <a:latin typeface="-apple-system"/>
               </a:rPr>
-              <a:t>订阅 设计模式</a:t>
-            </a:r>
-            <a:endParaRPr lang="en-US" altLang="zh-CN" sz="3200" dirty="0">
+              <a:t>调度中心</a:t>
+            </a:r>
+            <a:r>
+              <a:rPr lang="zh-CN" altLang="en-US" sz="2400" dirty="0">
+                <a:solidFill>
+                  <a:srgbClr val="404040"/>
+                </a:solidFill>
+                <a:latin typeface="-apple-system"/>
+              </a:rPr>
+              <a:t>，作用是收集</a:t>
+            </a:r>
+            <a:r>
+              <a:rPr lang="zh-CN" altLang="en-US" sz="2400" b="1" dirty="0"/>
+              <a:t>订阅者</a:t>
+            </a:r>
+            <a:r>
+              <a:rPr lang="en-US" altLang="zh-CN" sz="2400" dirty="0"/>
+              <a:t>(</a:t>
+            </a:r>
+            <a:r>
+              <a:rPr lang="en-US" altLang="zh-CN" sz="2400" dirty="0">
+                <a:solidFill>
+                  <a:srgbClr val="404040"/>
+                </a:solidFill>
+                <a:latin typeface="-apple-system"/>
+              </a:rPr>
+              <a:t>Watcher)</a:t>
+            </a:r>
+            <a:r>
+              <a:rPr lang="zh-CN" altLang="en-US" sz="2400" dirty="0">
+                <a:solidFill>
+                  <a:srgbClr val="404040"/>
+                </a:solidFill>
+                <a:latin typeface="-apple-system"/>
+              </a:rPr>
+              <a:t>和通知</a:t>
+            </a:r>
+            <a:r>
+              <a:rPr lang="zh-CN" altLang="en-US" sz="2400" b="1" dirty="0"/>
+              <a:t>订阅者</a:t>
+            </a:r>
+            <a:r>
+              <a:rPr lang="zh-CN" altLang="en-US" sz="2400" dirty="0">
+                <a:solidFill>
+                  <a:srgbClr val="404040"/>
+                </a:solidFill>
+                <a:latin typeface="-apple-system"/>
+              </a:rPr>
+              <a:t>目标更新。</a:t>
+            </a:r>
+          </a:p>
+          <a:p>
+            <a:pPr algn="l">
+              <a:lnSpc>
+                <a:spcPct val="150000"/>
+              </a:lnSpc>
+            </a:pPr>
+            <a:r>
+              <a:rPr lang="zh-CN" altLang="en-US" sz="2400" b="1" dirty="0">
+                <a:solidFill>
+                  <a:srgbClr val="404040"/>
+                </a:solidFill>
+                <a:latin typeface="-apple-system"/>
+              </a:rPr>
+              <a:t>每个属性</a:t>
+            </a:r>
+            <a:r>
+              <a:rPr lang="zh-CN" altLang="en-US" sz="2400" dirty="0">
+                <a:solidFill>
+                  <a:srgbClr val="404040"/>
+                </a:solidFill>
+                <a:latin typeface="-apple-system"/>
+              </a:rPr>
+              <a:t>拥有自己的消息订阅器</a:t>
+            </a:r>
+            <a:r>
+              <a:rPr lang="en-US" altLang="zh-CN" sz="2400" dirty="0">
+                <a:solidFill>
+                  <a:srgbClr val="404040"/>
+                </a:solidFill>
+                <a:latin typeface="-apple-system"/>
+              </a:rPr>
+              <a:t>Dep</a:t>
+            </a:r>
+            <a:r>
+              <a:rPr lang="zh-CN" altLang="en-US" sz="2400" dirty="0">
+                <a:solidFill>
+                  <a:srgbClr val="404040"/>
+                </a:solidFill>
+                <a:latin typeface="-apple-system"/>
+              </a:rPr>
+              <a:t>，用于存放所有订阅了该属性的订阅者</a:t>
+            </a:r>
+            <a:r>
+              <a:rPr lang="zh-CN" altLang="en-US" sz="2400" b="1" dirty="0">
+                <a:solidFill>
+                  <a:srgbClr val="404040"/>
+                </a:solidFill>
+                <a:latin typeface="-apple-system"/>
+              </a:rPr>
+              <a:t>对象。</a:t>
+            </a:r>
+            <a:endParaRPr lang="zh-CN" altLang="en-US" sz="2400" dirty="0">
               <a:solidFill>
                 <a:srgbClr val="404040"/>
               </a:solidFill>
@@ -22157,87 +25293,87 @@
             </a:endParaRPr>
           </a:p>
           <a:p>
-            <a:r>
-              <a:rPr lang="zh-CN" altLang="en-US" sz="3200" b="0" i="0" dirty="0">
+            <a:pPr algn="l">
+              <a:lnSpc>
+                <a:spcPct val="150000"/>
+              </a:lnSpc>
+            </a:pPr>
+            <a:r>
+              <a:rPr lang="zh-CN" altLang="en-US" sz="2400" dirty="0">
                 <a:solidFill>
                   <a:srgbClr val="404040"/>
                 </a:solidFill>
-                <a:effectLst/>
                 <a:latin typeface="-apple-system"/>
               </a:rPr>
-              <a:t>用来收集订阅者 </a:t>
-            </a:r>
-            <a:r>
-              <a:rPr lang="en-US" altLang="zh-CN" sz="3200" b="0" i="0" dirty="0">
+              <a:t>当数据发生改变时，会遍历</a:t>
+            </a:r>
+            <a:r>
+              <a:rPr lang="zh-CN" altLang="en-US" sz="2400" b="1" dirty="0"/>
+              <a:t>订阅者</a:t>
+            </a:r>
+            <a:r>
+              <a:rPr lang="zh-CN" altLang="en-US" sz="2400" dirty="0">
                 <a:solidFill>
                   <a:srgbClr val="404040"/>
                 </a:solidFill>
-                <a:effectLst/>
                 <a:latin typeface="-apple-system"/>
               </a:rPr>
-              <a:t>Watcher</a:t>
-            </a:r>
-            <a:r>
-              <a:rPr lang="zh-CN" altLang="en-US" sz="3200" b="0" i="0" dirty="0">
+              <a:t>列表</a:t>
+            </a:r>
+            <a:r>
+              <a:rPr lang="en-US" altLang="zh-CN" sz="2400" dirty="0">
                 <a:solidFill>
                   <a:srgbClr val="404040"/>
                 </a:solidFill>
-                <a:effectLst/>
                 <a:latin typeface="-apple-system"/>
               </a:rPr>
-              <a:t>，对监听器 </a:t>
-            </a:r>
-            <a:r>
-              <a:rPr lang="en-US" altLang="zh-CN" sz="3200" b="0" i="0" dirty="0">
+              <a:t>,</a:t>
+            </a:r>
+            <a:r>
+              <a:rPr lang="zh-CN" altLang="en-US" sz="2400" dirty="0">
                 <a:solidFill>
                   <a:srgbClr val="404040"/>
                 </a:solidFill>
-                <a:effectLst/>
                 <a:latin typeface="-apple-system"/>
               </a:rPr>
-              <a:t>Observer </a:t>
-            </a:r>
-            <a:r>
-              <a:rPr lang="zh-CN" altLang="en-US" sz="3200" b="0" i="0" dirty="0">
+              <a:t>通知所有的</a:t>
+            </a:r>
+            <a:r>
+              <a:rPr lang="en-US" altLang="zh-CN" sz="2400" dirty="0">
                 <a:solidFill>
                   <a:srgbClr val="404040"/>
                 </a:solidFill>
-                <a:effectLst/>
                 <a:latin typeface="-apple-system"/>
               </a:rPr>
-              <a:t>和 订阅者 </a:t>
-            </a:r>
-            <a:r>
-              <a:rPr lang="en-US" altLang="zh-CN" sz="3200" b="0" i="0" dirty="0">
+              <a:t>watch,</a:t>
+            </a:r>
+            <a:r>
+              <a:rPr lang="zh-CN" altLang="en-US" sz="2400" dirty="0">
                 <a:solidFill>
                   <a:srgbClr val="404040"/>
                 </a:solidFill>
-                <a:effectLst/>
                 <a:latin typeface="-apple-system"/>
               </a:rPr>
-              <a:t>Watcher </a:t>
-            </a:r>
-            <a:r>
-              <a:rPr lang="zh-CN" altLang="en-US" sz="3200" b="0" i="0" dirty="0">
+              <a:t>让订阅者执行自己的</a:t>
+            </a:r>
+            <a:r>
+              <a:rPr lang="en-US" altLang="zh-CN" sz="2400" dirty="0">
                 <a:solidFill>
                   <a:srgbClr val="404040"/>
                 </a:solidFill>
-                <a:effectLst/>
                 <a:latin typeface="-apple-system"/>
               </a:rPr>
-              <a:t>进行</a:t>
-            </a:r>
-            <a:r>
-              <a:rPr lang="zh-CN" altLang="en-US" sz="3200" b="1" i="0" dirty="0">
+              <a:t>Update</a:t>
+            </a:r>
+            <a:r>
+              <a:rPr lang="zh-CN" altLang="en-US" sz="2400" dirty="0">
                 <a:solidFill>
                   <a:srgbClr val="404040"/>
                 </a:solidFill>
-                <a:effectLst/>
                 <a:latin typeface="-apple-system"/>
               </a:rPr>
-              <a:t>统一管理</a:t>
-            </a:r>
-            <a:endParaRPr lang="zh-CN" altLang="en-US" sz="3200" b="1" dirty="0"/>
+              <a:t>逻辑。</a:t>
+            </a:r>
           </a:p>
         </p:txBody>
       </p:sp>
@@ -22263,6 +25399,131 @@
       </p:transition>
     </mc:Fallback>
   </mc:AlternateContent>
+  <p:timing>
+    <p:tnLst>
+      <p:par>
+        <p:cTn id="1" dur="indefinite" restart="never" nodeType="tmRoot">
+          <p:childTnLst>
+            <p:seq concurrent="1" nextAc="seek">
+              <p:cTn id="2" dur="indefinite" nodeType="mainSeq">
+                <p:childTnLst>
+                  <p:par>
+                    <p:cTn id="3" fill="hold">
+                      <p:stCondLst>
+                        <p:cond delay="indefinite"/>
+                        <p:cond evt="onBegin" delay="0">
+                          <p:tn val="2"/>
+                        </p:cond>
+                      </p:stCondLst>
+                      <p:childTnLst>
+                        <p:par>
+                          <p:cTn id="4" fill="hold">
+                            <p:stCondLst>
+                              <p:cond delay="0"/>
+                            </p:stCondLst>
+                            <p:childTnLst>
+                              <p:par>
+                                <p:cTn id="5" presetID="14" presetClass="entr" presetSubtype="10" fill="hold" grpId="0" nodeType="withEffect">
+                                  <p:stCondLst>
+                                    <p:cond delay="0"/>
+                                  </p:stCondLst>
+                                  <p:childTnLst>
+                                    <p:set>
+                                      <p:cBhvr>
+                                        <p:cTn id="6" dur="1" fill="hold">
+                                          <p:stCondLst>
+                                            <p:cond delay="0"/>
+                                          </p:stCondLst>
+                                        </p:cTn>
+                                        <p:tgtEl>
+                                          <p:spTgt spid="11"/>
+                                        </p:tgtEl>
+                                        <p:attrNameLst>
+                                          <p:attrName>style.visibility</p:attrName>
+                                        </p:attrNameLst>
+                                      </p:cBhvr>
+                                      <p:to>
+                                        <p:strVal val="visible"/>
+                                      </p:to>
+                                    </p:set>
+                                    <p:animEffect transition="in" filter="randombar(horizontal)">
+                                      <p:cBhvr>
+                                        <p:cTn id="7" dur="500"/>
+                                        <p:tgtEl>
+                                          <p:spTgt spid="11"/>
+                                        </p:tgtEl>
+                                      </p:cBhvr>
+                                    </p:animEffect>
+                                  </p:childTnLst>
+                                </p:cTn>
+                              </p:par>
+                              <p:par>
+                                <p:cTn id="8" presetID="14" presetClass="entr" presetSubtype="10" fill="hold" grpId="0" nodeType="withEffect">
+                                  <p:stCondLst>
+                                    <p:cond delay="0"/>
+                                  </p:stCondLst>
+                                  <p:childTnLst>
+                                    <p:set>
+                                      <p:cBhvr>
+                                        <p:cTn id="9" dur="1" fill="hold">
+                                          <p:stCondLst>
+                                            <p:cond delay="0"/>
+                                          </p:stCondLst>
+                                        </p:cTn>
+                                        <p:tgtEl>
+                                          <p:spTgt spid="10"/>
+                                        </p:tgtEl>
+                                        <p:attrNameLst>
+                                          <p:attrName>style.visibility</p:attrName>
+                                        </p:attrNameLst>
+                                      </p:cBhvr>
+                                      <p:to>
+                                        <p:strVal val="visible"/>
+                                      </p:to>
+                                    </p:set>
+                                    <p:animEffect transition="in" filter="randombar(horizontal)">
+                                      <p:cBhvr>
+                                        <p:cTn id="10" dur="500"/>
+                                        <p:tgtEl>
+                                          <p:spTgt spid="10"/>
+                                        </p:tgtEl>
+                                      </p:cBhvr>
+                                    </p:animEffect>
+                                  </p:childTnLst>
+                                </p:cTn>
+                              </p:par>
+                            </p:childTnLst>
+                          </p:cTn>
+                        </p:par>
+                      </p:childTnLst>
+                    </p:cTn>
+                  </p:par>
+                </p:childTnLst>
+              </p:cTn>
+              <p:prevCondLst>
+                <p:cond evt="onPrev" delay="0">
+                  <p:tgtEl>
+                    <p:sldTgt/>
+                  </p:tgtEl>
+                </p:cond>
+              </p:prevCondLst>
+              <p:nextCondLst>
+                <p:cond evt="onNext" delay="0">
+                  <p:tgtEl>
+                    <p:sldTgt/>
+                  </p:tgtEl>
+                </p:cond>
+              </p:nextCondLst>
+            </p:seq>
+          </p:childTnLst>
+        </p:cTn>
+      </p:par>
+    </p:tnLst>
+    <p:bldLst>
+      <p:bldP spid="11" grpId="0"/>
+      <p:bldP spid="10" grpId="0"/>
+    </p:bldLst>
+  </p:timing>
 </p:sld>
 </file>
 

--- a/vue测试/双向绑定/Vue双向绑定原理及实现-数据响应式原理-代应豪.pptx
+++ b/vue测试/双向绑定/Vue双向绑定原理及实现-数据响应式原理-代应豪.pptx
@@ -223,7 +223,7 @@
           <a:p>
             <a:fld id="{5D13BBE5-0BEA-4494-9BEF-C8C2F48C9E2D}" type="datetimeFigureOut">
               <a:rPr lang="zh-CN" altLang="en-US" smtClean="0"/>
-              <a:t>2021/7/15</a:t>
+              <a:t>2021/7/21</a:t>
             </a:fld>
             <a:endParaRPr lang="zh-CN" altLang="en-US"/>
           </a:p>
